--- a/객체지향 프로그래밍 발표자료 1.pptx
+++ b/객체지향 프로그래밍 발표자료 1.pptx
@@ -2,7 +2,7 @@
 <file path=ppt/presentation.xml><?xml version="1.0" encoding="utf-8"?>
 <p:presentation xmlns:r="http://schemas.openxmlformats.org/officeDocument/2006/relationships" xmlns:c="http://schemas.openxmlformats.org/drawingml/2006/chart" xmlns:a="http://schemas.openxmlformats.org/drawingml/2006/main" xmlns:dgm="http://schemas.openxmlformats.org/drawingml/2006/diagram" xmlns:dsp="http://schemas.microsoft.com/office/drawing/2008/diagram" xmlns:p="http://schemas.openxmlformats.org/presentationml/2006/main">
   <p:sldMasterIdLst>
-    <p:sldMasterId id="2147484031" r:id="rId1"/>
+    <p:sldMasterId id="2147484030" r:id="rId1"/>
   </p:sldMasterIdLst>
   <p:notesMasterIdLst>
     <p:notesMasterId r:id="rId2"/>
@@ -11,21 +11,20 @@
     <p:sldId id="256" r:id="rId3"/>
     <p:sldId id="257" r:id="rId4"/>
     <p:sldId id="258" r:id="rId5"/>
-    <p:sldId id="259" r:id="rId6"/>
+    <p:sldId id="261" r:id="rId6"/>
     <p:sldId id="260" r:id="rId7"/>
-    <p:sldId id="261" r:id="rId8"/>
-    <p:sldId id="262" r:id="rId9"/>
-    <p:sldId id="263" r:id="rId10"/>
-    <p:sldId id="264" r:id="rId11"/>
-    <p:sldId id="265" r:id="rId12"/>
-    <p:sldId id="266" r:id="rId13"/>
-    <p:sldId id="267" r:id="rId14"/>
-    <p:sldId id="268" r:id="rId15"/>
-    <p:sldId id="269" r:id="rId16"/>
-    <p:sldId id="270" r:id="rId17"/>
-    <p:sldId id="271" r:id="rId18"/>
-    <p:sldId id="272" r:id="rId19"/>
-    <p:sldId id="273" r:id="rId20"/>
+    <p:sldId id="262" r:id="rId8"/>
+    <p:sldId id="263" r:id="rId9"/>
+    <p:sldId id="264" r:id="rId10"/>
+    <p:sldId id="265" r:id="rId11"/>
+    <p:sldId id="266" r:id="rId12"/>
+    <p:sldId id="267" r:id="rId13"/>
+    <p:sldId id="268" r:id="rId14"/>
+    <p:sldId id="269" r:id="rId15"/>
+    <p:sldId id="270" r:id="rId16"/>
+    <p:sldId id="271" r:id="rId17"/>
+    <p:sldId id="272" r:id="rId18"/>
+    <p:sldId id="273" r:id="rId19"/>
   </p:sldIdLst>
   <p:sldSz cx="12192000" cy="6858000"/>
   <p:notesSz cx="6858000" cy="9144000"/>
@@ -222,7 +221,7 @@
               <a:pPr lvl="0">
                 <a:defRPr/>
               </a:pPr>
-              <a:t>2021-05-17</a:t>
+              <a:t>2021-05-18</a:t>
             </a:fld>
             <a:endParaRPr lang="ko-KR" altLang="en-US"/>
           </a:p>
@@ -4371,13 +4370,13 @@
         </p:nvSpPr>
         <p:spPr>
           <a:xfrm>
-            <a:off x="622300" y="1646943"/>
-            <a:ext cx="10947400" cy="4525963"/>
+            <a:off x="609601" y="1617838"/>
+            <a:ext cx="10972798" cy="4543602"/>
           </a:xfrm>
         </p:spPr>
         <p:txBody>
           <a:bodyPr>
-            <a:normAutofit fontScale="92500"/>
+            <a:normAutofit lnSpcReduction="10000"/>
           </a:bodyPr>
           <a:lstStyle/>
           <a:p>
@@ -4386,51 +4385,27 @@
             </a:pPr>
             <a:r>
               <a:rPr lang="en-US" altLang="ko-KR"/>
-              <a:t>Paste - Toolkit </a:t>
-            </a:r>
-            <a:r>
-              <a:rPr lang="ko-KR" altLang="en-US"/>
-              <a:t>시스템 클립보드 </a:t>
-            </a:r>
-            <a:r>
-              <a:rPr lang="en-US" altLang="ko-KR"/>
-              <a:t>get -&gt; Stirng</a:t>
-            </a:r>
-            <a:r>
-              <a:rPr lang="ko-KR" altLang="en-US"/>
-              <a:t> 전송 </a:t>
-            </a:r>
-            <a:r>
-              <a:rPr lang="en-US" altLang="ko-KR"/>
-              <a:t>Transferable-&gt; </a:t>
-            </a:r>
-            <a:r>
-              <a:rPr lang="ko-KR" altLang="en-US"/>
-              <a:t>	       </a:t>
-            </a:r>
-            <a:r>
-              <a:rPr lang="en-US" altLang="ko-KR"/>
-              <a:t>tf1 setText</a:t>
-            </a:r>
-            <a:endParaRPr lang="en-US" altLang="ko-KR"/>
-          </a:p>
-          <a:p>
-            <a:pPr>
-              <a:defRPr/>
-            </a:pPr>
-            <a:endParaRPr lang="en-US" altLang="ko-KR"/>
-          </a:p>
-          <a:p>
-            <a:pPr>
-              <a:defRPr/>
-            </a:pPr>
-            <a:r>
-              <a:rPr lang="en-US" altLang="ko-KR"/>
-              <a:t>Cut - Copy</a:t>
-            </a:r>
-            <a:r>
-              <a:rPr lang="ko-KR" altLang="en-US"/>
-              <a:t>와 동일 </a:t>
+              <a:t>Run -  </a:t>
+            </a:r>
+            <a:r>
+              <a:rPr lang="ko-KR" altLang="en-US"/>
+              <a:t>위 저장된 </a:t>
+            </a:r>
+            <a:r>
+              <a:rPr lang="en-US" altLang="ko-KR"/>
+              <a:t>.java </a:t>
+            </a:r>
+            <a:r>
+              <a:rPr lang="ko-KR" altLang="en-US"/>
+              <a:t>파일 </a:t>
+            </a:r>
+            <a:r>
+              <a:rPr lang="en-US" altLang="ko-KR"/>
+              <a:t>Runtime java </a:t>
+            </a:r>
+            <a:r>
+              <a:rPr lang="ko-KR" altLang="en-US"/>
+              <a:t>실행 </a:t>
             </a:r>
             <a:r>
               <a:rPr lang="en-US" altLang="ko-KR"/>
@@ -4439,50 +4414,6 @@
             <a:r>
               <a:rPr lang="ko-KR" altLang="en-US"/>
               <a:t> </a:t>
-            </a:r>
-            <a:r>
-              <a:rPr lang="en-US" altLang="ko-KR"/>
-              <a:t>tf1</a:t>
-            </a:r>
-            <a:r>
-              <a:rPr lang="ko-KR" altLang="en-US"/>
-              <a:t> </a:t>
-            </a:r>
-            <a:r>
-              <a:rPr lang="en-US" altLang="ko-KR"/>
-              <a:t>setText</a:t>
-            </a:r>
-            <a:r>
-              <a:rPr lang="ko-KR" altLang="en-US"/>
-              <a:t>로 비우기</a:t>
-            </a:r>
-            <a:endParaRPr lang="ko-KR" altLang="en-US"/>
-          </a:p>
-          <a:p>
-            <a:pPr>
-              <a:defRPr/>
-            </a:pPr>
-            <a:endParaRPr lang="ko-KR" altLang="en-US"/>
-          </a:p>
-          <a:p>
-            <a:pPr>
-              <a:defRPr/>
-            </a:pPr>
-            <a:r>
-              <a:rPr lang="en-US" altLang="ko-KR"/>
-              <a:t>Compile - tf1</a:t>
-            </a:r>
-            <a:r>
-              <a:rPr lang="ko-KR" altLang="en-US"/>
-              <a:t> 내용 </a:t>
-            </a:r>
-            <a:r>
-              <a:rPr lang="en-US" altLang="ko-KR"/>
-              <a:t>getText() -&gt; “public class”, “{”</a:t>
-            </a:r>
-            <a:r>
-              <a:rPr lang="ko-KR" altLang="en-US"/>
-              <a:t> 사이 클래스명 </a:t>
             </a:r>
             <a:endParaRPr lang="ko-KR" altLang="en-US"/>
           </a:p>
@@ -4492,36 +4423,16 @@
               <a:defRPr/>
             </a:pPr>
             <a:r>
-              <a:rPr lang="ko-KR" altLang="en-US"/>
-              <a:t>		자동 추출 </a:t>
-            </a:r>
-            <a:r>
-              <a:rPr lang="en-US" altLang="ko-KR"/>
-              <a:t>-&gt;</a:t>
-            </a:r>
-            <a:r>
-              <a:rPr lang="ko-KR" altLang="en-US"/>
-              <a:t> </a:t>
-            </a:r>
-            <a:r>
-              <a:rPr lang="en-US" altLang="ko-KR"/>
-              <a:t>java</a:t>
-            </a:r>
-            <a:r>
-              <a:rPr lang="ko-KR" altLang="en-US"/>
-              <a:t>파일 형식으로 저장 </a:t>
-            </a:r>
-            <a:r>
-              <a:rPr lang="en-US" altLang="ko-KR"/>
-              <a:t>-&gt;</a:t>
-            </a:r>
-            <a:r>
-              <a:rPr lang="ko-KR" altLang="en-US"/>
-              <a:t> </a:t>
-            </a:r>
-            <a:r>
-              <a:rPr lang="en-US" altLang="ko-KR"/>
-              <a:t>Runtime JDK </a:t>
+              <a:rPr lang="en-US" altLang="ko-KR"/>
+              <a:t>	     </a:t>
+            </a:r>
+            <a:r>
+              <a:rPr lang="ko-KR" altLang="en-US"/>
+              <a:t>결과 </a:t>
+            </a:r>
+            <a:r>
+              <a:rPr lang="en-US" altLang="ko-KR"/>
+              <a:t>tf2 setText()</a:t>
             </a:r>
             <a:endParaRPr lang="en-US" altLang="ko-KR"/>
           </a:p>
@@ -4530,19 +4441,100 @@
               <a:buNone/>
               <a:defRPr/>
             </a:pPr>
+            <a:endParaRPr lang="en-US" altLang="ko-KR"/>
+          </a:p>
+          <a:p>
+            <a:pPr>
+              <a:defRPr/>
+            </a:pPr>
+            <a:r>
+              <a:rPr lang="en-US" altLang="ko-KR"/>
+              <a:t>Source - JOptionPane - showMessageDialog</a:t>
+            </a:r>
+            <a:r>
+              <a:rPr lang="ko-KR" altLang="en-US"/>
+              <a:t>로 팝업 </a:t>
+            </a:r>
+            <a:r>
+              <a:rPr lang="en-US" altLang="ko-KR"/>
+              <a:t>-&gt;</a:t>
+            </a:r>
+            <a:r>
+              <a:rPr lang="ko-KR" altLang="en-US"/>
+              <a:t> </a:t>
+            </a:r>
+            <a:endParaRPr lang="en-US" altLang="ko-KR"/>
+          </a:p>
+          <a:p>
+            <a:pPr marL="0" indent="0">
+              <a:buNone/>
+              <a:defRPr/>
+            </a:pPr>
             <a:r>
               <a:rPr lang="ko-KR" altLang="en-US"/>
               <a:t>		</a:t>
             </a:r>
             <a:r>
               <a:rPr lang="en-US" altLang="ko-KR"/>
-              <a:t>javac </a:t>
-            </a:r>
-            <a:r>
-              <a:rPr lang="ko-KR" altLang="en-US"/>
-              <a:t>컴파일</a:t>
-            </a:r>
-            <a:endParaRPr lang="ko-KR" altLang="en-US"/>
+              <a:t>scrollSource </a:t>
+            </a:r>
+            <a:r>
+              <a:rPr lang="ko-KR" altLang="en-US"/>
+              <a:t>노출</a:t>
+            </a:r>
+            <a:endParaRPr lang="ko-KR" altLang="en-US"/>
+          </a:p>
+          <a:p>
+            <a:pPr marL="0" indent="0">
+              <a:buNone/>
+              <a:defRPr/>
+            </a:pPr>
+            <a:endParaRPr lang="ko-KR" altLang="en-US"/>
+          </a:p>
+          <a:p>
+            <a:pPr>
+              <a:defRPr/>
+            </a:pPr>
+            <a:r>
+              <a:rPr lang="en-US" altLang="ko-KR"/>
+              <a:t>CreateTextFiled() - JSplitPane</a:t>
+            </a:r>
+            <a:r>
+              <a:rPr lang="ko-KR" altLang="en-US"/>
+              <a:t>으로 수평 분활 </a:t>
+            </a:r>
+            <a:r>
+              <a:rPr lang="en-US" altLang="ko-KR"/>
+              <a:t>(0.5)</a:t>
+            </a:r>
+            <a:r>
+              <a:rPr lang="ko-KR" altLang="en-US"/>
+              <a:t> </a:t>
+            </a:r>
+            <a:r>
+              <a:rPr lang="en-US" altLang="ko-KR"/>
+              <a:t>1:1</a:t>
+            </a:r>
+            <a:r>
+              <a:rPr lang="ko-KR" altLang="en-US"/>
+              <a:t> 비율</a:t>
+            </a:r>
+            <a:endParaRPr lang="ko-KR" altLang="en-US"/>
+          </a:p>
+          <a:p>
+            <a:pPr marL="0" indent="0">
+              <a:buNone/>
+              <a:defRPr/>
+            </a:pPr>
+            <a:r>
+              <a:rPr lang="ko-KR" altLang="en-US"/>
+              <a:t>			        </a:t>
+            </a:r>
+            <a:r>
+              <a:rPr lang="en-US" altLang="ko-KR"/>
+              <a:t>scrollTf1, scrollTf2</a:t>
+            </a:r>
+            <a:endParaRPr lang="en-US" altLang="ko-KR"/>
           </a:p>
         </p:txBody>
       </p:sp>
@@ -4563,245 +4555,6 @@
 </file>
 
 <file path=ppt/slides/slide11.xml><?xml version="1.0" encoding="utf-8"?>
-<p:sld xmlns:r="http://schemas.openxmlformats.org/officeDocument/2006/relationships" xmlns:c="http://schemas.openxmlformats.org/drawingml/2006/chart" xmlns:a="http://schemas.openxmlformats.org/drawingml/2006/main" xmlns:dgm="http://schemas.openxmlformats.org/drawingml/2006/diagram" xmlns:dsp="http://schemas.microsoft.com/office/drawing/2008/diagram" xmlns:p="http://schemas.openxmlformats.org/presentationml/2006/main">
-  <p:cSld>
-    <p:spTree>
-      <p:nvGrpSpPr>
-        <p:cNvPr id="1" name=""/>
-        <p:cNvGrpSpPr/>
-        <p:nvPr/>
-      </p:nvGrpSpPr>
-      <p:grpSpPr>
-        <a:xfrm>
-          <a:off x="0" y="0"/>
-          <a:ext cx="0" cy="0"/>
-          <a:chOff x="0" y="0"/>
-          <a:chExt cx="0" cy="0"/>
-        </a:xfrm>
-      </p:grpSpPr>
-      <p:sp>
-        <p:nvSpPr>
-          <p:cNvPr id="2" name="제목 1"/>
-          <p:cNvSpPr>
-            <a:spLocks noGrp="1"/>
-          </p:cNvSpPr>
-          <p:nvPr>
-            <p:ph type="title" idx="0"/>
-          </p:nvPr>
-        </p:nvSpPr>
-        <p:spPr/>
-        <p:txBody>
-          <a:bodyPr/>
-          <a:lstStyle/>
-          <a:p>
-            <a:pPr>
-              <a:defRPr/>
-            </a:pPr>
-            <a:r>
-              <a:rPr lang="ko-KR" altLang="en-US"/>
-              <a:t>시스템 설계</a:t>
-            </a:r>
-            <a:endParaRPr lang="ko-KR" altLang="en-US"/>
-          </a:p>
-        </p:txBody>
-      </p:sp>
-      <p:sp>
-        <p:nvSpPr>
-          <p:cNvPr id="3" name="내용 개체 틀 2"/>
-          <p:cNvSpPr>
-            <a:spLocks noGrp="1"/>
-          </p:cNvSpPr>
-          <p:nvPr>
-            <p:ph idx="1"/>
-          </p:nvPr>
-        </p:nvSpPr>
-        <p:spPr>
-          <a:xfrm>
-            <a:off x="609601" y="1617838"/>
-            <a:ext cx="10972798" cy="4543602"/>
-          </a:xfrm>
-        </p:spPr>
-        <p:txBody>
-          <a:bodyPr>
-            <a:normAutofit lnSpcReduction="10000"/>
-          </a:bodyPr>
-          <a:lstStyle/>
-          <a:p>
-            <a:pPr>
-              <a:defRPr/>
-            </a:pPr>
-            <a:r>
-              <a:rPr lang="en-US" altLang="ko-KR"/>
-              <a:t>Run -  </a:t>
-            </a:r>
-            <a:r>
-              <a:rPr lang="ko-KR" altLang="en-US"/>
-              <a:t>위 저장된 </a:t>
-            </a:r>
-            <a:r>
-              <a:rPr lang="en-US" altLang="ko-KR"/>
-              <a:t>.java </a:t>
-            </a:r>
-            <a:r>
-              <a:rPr lang="ko-KR" altLang="en-US"/>
-              <a:t>파일 </a:t>
-            </a:r>
-            <a:r>
-              <a:rPr lang="en-US" altLang="ko-KR"/>
-              <a:t>Runtime java </a:t>
-            </a:r>
-            <a:r>
-              <a:rPr lang="ko-KR" altLang="en-US"/>
-              <a:t>실행 </a:t>
-            </a:r>
-            <a:r>
-              <a:rPr lang="en-US" altLang="ko-KR"/>
-              <a:t>-&gt;</a:t>
-            </a:r>
-            <a:r>
-              <a:rPr lang="ko-KR" altLang="en-US"/>
-              <a:t> </a:t>
-            </a:r>
-            <a:endParaRPr lang="ko-KR" altLang="en-US"/>
-          </a:p>
-          <a:p>
-            <a:pPr marL="0" indent="0">
-              <a:buNone/>
-              <a:defRPr/>
-            </a:pPr>
-            <a:r>
-              <a:rPr lang="en-US" altLang="ko-KR"/>
-              <a:t>	     </a:t>
-            </a:r>
-            <a:r>
-              <a:rPr lang="ko-KR" altLang="en-US"/>
-              <a:t>결과 </a:t>
-            </a:r>
-            <a:r>
-              <a:rPr lang="en-US" altLang="ko-KR"/>
-              <a:t>tf2 setText()</a:t>
-            </a:r>
-            <a:endParaRPr lang="en-US" altLang="ko-KR"/>
-          </a:p>
-          <a:p>
-            <a:pPr marL="0" indent="0">
-              <a:buNone/>
-              <a:defRPr/>
-            </a:pPr>
-            <a:endParaRPr lang="en-US" altLang="ko-KR"/>
-          </a:p>
-          <a:p>
-            <a:pPr>
-              <a:defRPr/>
-            </a:pPr>
-            <a:r>
-              <a:rPr lang="en-US" altLang="ko-KR"/>
-              <a:t>Source - JOptionPane - showMessageDialog</a:t>
-            </a:r>
-            <a:r>
-              <a:rPr lang="ko-KR" altLang="en-US"/>
-              <a:t>로 팝업 </a:t>
-            </a:r>
-            <a:r>
-              <a:rPr lang="en-US" altLang="ko-KR"/>
-              <a:t>-&gt;</a:t>
-            </a:r>
-            <a:r>
-              <a:rPr lang="ko-KR" altLang="en-US"/>
-              <a:t> </a:t>
-            </a:r>
-            <a:endParaRPr lang="en-US" altLang="ko-KR"/>
-          </a:p>
-          <a:p>
-            <a:pPr marL="0" indent="0">
-              <a:buNone/>
-              <a:defRPr/>
-            </a:pPr>
-            <a:r>
-              <a:rPr lang="ko-KR" altLang="en-US"/>
-              <a:t>		</a:t>
-            </a:r>
-            <a:r>
-              <a:rPr lang="en-US" altLang="ko-KR"/>
-              <a:t>scrollSource </a:t>
-            </a:r>
-            <a:r>
-              <a:rPr lang="ko-KR" altLang="en-US"/>
-              <a:t>노출</a:t>
-            </a:r>
-            <a:endParaRPr lang="ko-KR" altLang="en-US"/>
-          </a:p>
-          <a:p>
-            <a:pPr marL="0" indent="0">
-              <a:buNone/>
-              <a:defRPr/>
-            </a:pPr>
-            <a:endParaRPr lang="ko-KR" altLang="en-US"/>
-          </a:p>
-          <a:p>
-            <a:pPr>
-              <a:defRPr/>
-            </a:pPr>
-            <a:r>
-              <a:rPr lang="en-US" altLang="ko-KR"/>
-              <a:t>CreateTextFiled() - JSplitPane</a:t>
-            </a:r>
-            <a:r>
-              <a:rPr lang="ko-KR" altLang="en-US"/>
-              <a:t>으로 수평 분활 </a:t>
-            </a:r>
-            <a:r>
-              <a:rPr lang="en-US" altLang="ko-KR"/>
-              <a:t>(0.5)</a:t>
-            </a:r>
-            <a:r>
-              <a:rPr lang="ko-KR" altLang="en-US"/>
-              <a:t> </a:t>
-            </a:r>
-            <a:r>
-              <a:rPr lang="en-US" altLang="ko-KR"/>
-              <a:t>1:1</a:t>
-            </a:r>
-            <a:r>
-              <a:rPr lang="ko-KR" altLang="en-US"/>
-              <a:t> 비율</a:t>
-            </a:r>
-            <a:endParaRPr lang="ko-KR" altLang="en-US"/>
-          </a:p>
-          <a:p>
-            <a:pPr marL="0" indent="0">
-              <a:buNone/>
-              <a:defRPr/>
-            </a:pPr>
-            <a:r>
-              <a:rPr lang="ko-KR" altLang="en-US"/>
-              <a:t>			        </a:t>
-            </a:r>
-            <a:r>
-              <a:rPr lang="en-US" altLang="ko-KR"/>
-              <a:t>scrollTf1, scrollTf2</a:t>
-            </a:r>
-            <a:endParaRPr lang="en-US" altLang="ko-KR"/>
-          </a:p>
-        </p:txBody>
-      </p:sp>
-    </p:spTree>
-  </p:cSld>
-  <p:clrMapOvr>
-    <a:masterClrMapping/>
-  </p:clrMapOvr>
-  <mc:AlternateContent xmlns:mc="http://schemas.openxmlformats.org/markup-compatibility/2006">
-    <mc:Choice xmlns:p14="http://schemas.microsoft.com/office/powerpoint/2010/main" Requires="p14">
-      <p:transition xmlns:mc="http://schemas.openxmlformats.org/markup-compatibility/2006" xmlns:p14="http://schemas.microsoft.com/office/powerpoint/2010/main" mc:Ignorable="p14" p14:dur="500"/>
-    </mc:Choice>
-    <mc:Fallback>
-      <p:transition/>
-    </mc:Fallback>
-  </mc:AlternateContent>
-</p:sld>
-</file>
-
-<file path=ppt/slides/slide12.xml><?xml version="1.0" encoding="utf-8"?>
 <p:sld xmlns:r="http://schemas.openxmlformats.org/officeDocument/2006/relationships" xmlns:c="http://schemas.openxmlformats.org/drawingml/2006/chart" xmlns:a="http://schemas.openxmlformats.org/drawingml/2006/main" xmlns:dgm="http://schemas.openxmlformats.org/drawingml/2006/diagram" xmlns:dsp="http://schemas.microsoft.com/office/drawing/2008/diagram" xmlns:p="http://schemas.openxmlformats.org/presentationml/2006/main">
   <p:cSld>
     <p:spTree>
@@ -4862,7 +4615,7 @@
 </p:sld>
 </file>
 
-<file path=ppt/slides/slide13.xml><?xml version="1.0" encoding="utf-8"?>
+<file path=ppt/slides/slide12.xml><?xml version="1.0" encoding="utf-8"?>
 <p:sld xmlns:r="http://schemas.openxmlformats.org/officeDocument/2006/relationships" xmlns:c="http://schemas.openxmlformats.org/drawingml/2006/chart" xmlns:a="http://schemas.openxmlformats.org/drawingml/2006/main" xmlns:dgm="http://schemas.openxmlformats.org/drawingml/2006/diagram" xmlns:dsp="http://schemas.microsoft.com/office/drawing/2008/diagram" xmlns:p="http://schemas.openxmlformats.org/presentationml/2006/main">
   <p:cSld>
     <p:spTree>
@@ -4947,7 +4700,7 @@
 </p:sld>
 </file>
 
-<file path=ppt/slides/slide14.xml><?xml version="1.0" encoding="utf-8"?>
+<file path=ppt/slides/slide13.xml><?xml version="1.0" encoding="utf-8"?>
 <p:sld xmlns:r="http://schemas.openxmlformats.org/officeDocument/2006/relationships" xmlns:c="http://schemas.openxmlformats.org/drawingml/2006/chart" xmlns:a="http://schemas.openxmlformats.org/drawingml/2006/main" xmlns:dgm="http://schemas.openxmlformats.org/drawingml/2006/diagram" xmlns:dsp="http://schemas.microsoft.com/office/drawing/2008/diagram" xmlns:p="http://schemas.openxmlformats.org/presentationml/2006/main">
   <p:cSld>
     <p:spTree>
@@ -5274,6 +5027,202 @@
 </p:sld>
 </file>
 
+<file path=ppt/slides/slide14.xml><?xml version="1.0" encoding="utf-8"?>
+<p:sld xmlns:r="http://schemas.openxmlformats.org/officeDocument/2006/relationships" xmlns:c="http://schemas.openxmlformats.org/drawingml/2006/chart" xmlns:a="http://schemas.openxmlformats.org/drawingml/2006/main" xmlns:dgm="http://schemas.openxmlformats.org/drawingml/2006/diagram" xmlns:dsp="http://schemas.microsoft.com/office/drawing/2008/diagram" xmlns:p="http://schemas.openxmlformats.org/presentationml/2006/main">
+  <p:cSld>
+    <p:spTree>
+      <p:nvGrpSpPr>
+        <p:cNvPr id="1" name=""/>
+        <p:cNvGrpSpPr/>
+        <p:nvPr/>
+      </p:nvGrpSpPr>
+      <p:grpSpPr>
+        <a:xfrm>
+          <a:off x="0" y="0"/>
+          <a:ext cx="0" cy="0"/>
+          <a:chOff x="0" y="0"/>
+          <a:chExt cx="0" cy="0"/>
+        </a:xfrm>
+      </p:grpSpPr>
+      <p:sp>
+        <p:nvSpPr>
+          <p:cNvPr id="3" name="내용 개체 틀 2"/>
+          <p:cNvSpPr>
+            <a:spLocks noGrp="1"/>
+          </p:cNvSpPr>
+          <p:nvPr>
+            <p:ph idx="1"/>
+          </p:nvPr>
+        </p:nvSpPr>
+        <p:spPr>
+          <a:xfrm>
+            <a:off x="609599" y="436033"/>
+            <a:ext cx="10972798" cy="5690129"/>
+          </a:xfrm>
+        </p:spPr>
+        <p:txBody>
+          <a:bodyPr/>
+          <a:lstStyle/>
+          <a:p>
+            <a:pPr>
+              <a:defRPr/>
+            </a:pPr>
+            <a:r>
+              <a:rPr lang="ko-KR" altLang="en-US"/>
+              <a:t>복사 </a:t>
+            </a:r>
+            <a:r>
+              <a:rPr lang="en-US" altLang="ko-KR"/>
+              <a:t>Copy</a:t>
+            </a:r>
+            <a:r>
+              <a:rPr lang="ko-KR" altLang="en-US"/>
+              <a:t> 이벤트</a:t>
+            </a:r>
+            <a:endParaRPr lang="ko-KR" altLang="en-US"/>
+          </a:p>
+          <a:p>
+            <a:pPr>
+              <a:defRPr/>
+            </a:pPr>
+            <a:r>
+              <a:rPr lang="en-US" altLang="ko-KR"/>
+              <a:t>JTextArea </a:t>
+            </a:r>
+            <a:r>
+              <a:rPr lang="ko-KR" altLang="en-US"/>
+              <a:t>내용을 </a:t>
+            </a:r>
+            <a:r>
+              <a:rPr lang="en-US" altLang="ko-KR"/>
+              <a:t>getText()</a:t>
+            </a:r>
+            <a:r>
+              <a:rPr lang="ko-KR" altLang="en-US"/>
+              <a:t>로 가져온 후에 시스템 클립보드로 올려줌</a:t>
+            </a:r>
+            <a:endParaRPr lang="ko-KR" altLang="en-US"/>
+          </a:p>
+        </p:txBody>
+      </p:sp>
+      <p:pic>
+        <p:nvPicPr>
+          <p:cNvPr id="4" name=""/>
+          <p:cNvPicPr/>
+          <p:nvPr/>
+        </p:nvPicPr>
+        <p:blipFill rotWithShape="1">
+          <a:blip r:embed="rId2"/>
+          <a:stretch>
+            <a:fillRect/>
+          </a:stretch>
+        </p:blipFill>
+        <p:spPr>
+          <a:xfrm>
+            <a:off x="586317" y="2204861"/>
+            <a:ext cx="11019366" cy="4117622"/>
+          </a:xfrm>
+          <a:prstGeom prst="rect">
+            <a:avLst/>
+          </a:prstGeom>
+          <a:noFill/>
+          <a:ln>
+            <a:noFill/>
+          </a:ln>
+          <a:effectLst/>
+        </p:spPr>
+      </p:pic>
+    </p:spTree>
+  </p:cSld>
+  <p:clrMapOvr>
+    <a:masterClrMapping/>
+  </p:clrMapOvr>
+  <mc:AlternateContent xmlns:mc="http://schemas.openxmlformats.org/markup-compatibility/2006">
+    <mc:Choice xmlns:p14="http://schemas.microsoft.com/office/powerpoint/2010/main" Requires="p14">
+      <p:transition xmlns:mc="http://schemas.openxmlformats.org/markup-compatibility/2006" xmlns:p14="http://schemas.microsoft.com/office/powerpoint/2010/main" mc:Ignorable="p14" p14:dur="500"/>
+    </mc:Choice>
+    <mc:Fallback>
+      <p:transition/>
+    </mc:Fallback>
+  </mc:AlternateContent>
+  <p:timing>
+    <p:tnLst>
+      <p:par>
+        <p:cTn id="1" dur="indefinite" restart="never" nodeType="tmRoot">
+          <p:childTnLst>
+            <p:seq concurrent="1" nextAc="seek">
+              <p:cTn id="2" dur="indefinite" nodeType="mainSeq">
+                <p:childTnLst>
+                  <p:par>
+                    <p:cTn id="3" fill="hold">
+                      <p:stCondLst>
+                        <p:cond delay="indefinite"/>
+                      </p:stCondLst>
+                      <p:childTnLst>
+                        <p:par>
+                          <p:cTn id="4" fill="hold">
+                            <p:stCondLst>
+                              <p:cond delay="0"/>
+                            </p:stCondLst>
+                            <p:childTnLst>
+                              <p:par>
+                                <p:cTn id="5" presetID="1" presetClass="entr" presetSubtype="0" fill="hold" nodeType="clickEffect">
+                                  <p:stCondLst>
+                                    <p:cond delay="0"/>
+                                  </p:stCondLst>
+                                  <p:childTnLst>
+                                    <p:set>
+                                      <p:cBhvr>
+                                        <p:cTn id="6" dur="1" fill="hold">
+                                          <p:stCondLst>
+                                            <p:cond delay="0"/>
+                                          </p:stCondLst>
+                                        </p:cTn>
+                                        <p:tgtEl>
+                                          <p:spTgt spid="4"/>
+                                        </p:tgtEl>
+                                        <p:attrNameLst>
+                                          <p:attrName>style.visibility</p:attrName>
+                                        </p:attrNameLst>
+                                      </p:cBhvr>
+                                      <p:to>
+                                        <p:strVal val="visible"/>
+                                      </p:to>
+                                    </p:set>
+                                  </p:childTnLst>
+                                </p:cTn>
+                              </p:par>
+                            </p:childTnLst>
+                          </p:cTn>
+                        </p:par>
+                      </p:childTnLst>
+                    </p:cTn>
+                  </p:par>
+                </p:childTnLst>
+              </p:cTn>
+              <p:prevCondLst>
+                <p:cond evt="onPrev" delay="0">
+                  <p:tgtEl>
+                    <p:sldTgt/>
+                  </p:tgtEl>
+                </p:cond>
+              </p:prevCondLst>
+              <p:nextCondLst>
+                <p:cond evt="onNext" delay="0">
+                  <p:tgtEl>
+                    <p:sldTgt/>
+                  </p:tgtEl>
+                </p:cond>
+              </p:nextCondLst>
+            </p:seq>
+          </p:childTnLst>
+        </p:cTn>
+      </p:par>
+    </p:tnLst>
+  </p:timing>
+</p:sld>
+</file>
+
 <file path=ppt/slides/slide15.xml><?xml version="1.0" encoding="utf-8"?>
 <p:sld xmlns:r="http://schemas.openxmlformats.org/officeDocument/2006/relationships" xmlns:c="http://schemas.openxmlformats.org/drawingml/2006/chart" xmlns:a="http://schemas.openxmlformats.org/drawingml/2006/main" xmlns:dgm="http://schemas.openxmlformats.org/drawingml/2006/diagram" xmlns:dsp="http://schemas.microsoft.com/office/drawing/2008/diagram" xmlns:p="http://schemas.openxmlformats.org/presentationml/2006/main">
   <p:cSld>
@@ -5303,12 +5252,14 @@
         </p:nvSpPr>
         <p:spPr>
           <a:xfrm>
-            <a:off x="609599" y="436033"/>
-            <a:ext cx="10972798" cy="5690129"/>
+            <a:off x="609601" y="1033727"/>
+            <a:ext cx="10972798" cy="5425545"/>
           </a:xfrm>
         </p:spPr>
         <p:txBody>
-          <a:bodyPr/>
+          <a:bodyPr>
+            <a:normAutofit fontScale="92500" lnSpcReduction="10000"/>
+          </a:bodyPr>
           <a:lstStyle/>
           <a:p>
             <a:pPr>
@@ -5316,16 +5267,23 @@
             </a:pPr>
             <a:r>
               <a:rPr lang="ko-KR" altLang="en-US"/>
-              <a:t>복사 </a:t>
-            </a:r>
-            <a:r>
-              <a:rPr lang="en-US" altLang="ko-KR"/>
-              <a:t>Copy</a:t>
-            </a:r>
-            <a:r>
-              <a:rPr lang="ko-KR" altLang="en-US"/>
-              <a:t> 이벤트</a:t>
-            </a:r>
+              <a:t>컴파일 </a:t>
+            </a:r>
+            <a:r>
+              <a:rPr lang="en-US" altLang="ko-KR"/>
+              <a:t>Compile </a:t>
+            </a:r>
+            <a:r>
+              <a:rPr lang="ko-KR" altLang="en-US"/>
+              <a:t>이벤트</a:t>
+            </a:r>
+            <a:endParaRPr lang="ko-KR" altLang="en-US"/>
+          </a:p>
+          <a:p>
+            <a:pPr marL="0" indent="0">
+              <a:buNone/>
+              <a:defRPr/>
+            </a:pPr>
             <a:endParaRPr lang="ko-KR" altLang="en-US"/>
           </a:p>
           <a:p>
@@ -5333,22 +5291,154 @@
               <a:defRPr/>
             </a:pPr>
             <a:r>
-              <a:rPr lang="en-US" altLang="ko-KR"/>
-              <a:t>JTextArea </a:t>
-            </a:r>
-            <a:r>
-              <a:rPr lang="ko-KR" altLang="en-US"/>
-              <a:t>내용을 </a:t>
-            </a:r>
-            <a:r>
-              <a:rPr lang="en-US" altLang="ko-KR"/>
-              <a:t>getText()</a:t>
-            </a:r>
-            <a:r>
-              <a:rPr lang="ko-KR" altLang="en-US"/>
-              <a:t>로 가져온 후에 시스템 클립보드로 올려줌</a:t>
-            </a:r>
-            <a:endParaRPr lang="ko-KR" altLang="en-US"/>
+              <a:rPr lang="ko-KR" altLang="en-US"/>
+              <a:t>사용자가 입력한 </a:t>
+            </a:r>
+            <a:r>
+              <a:rPr lang="en-US" altLang="ko-KR"/>
+              <a:t>JTextArea</a:t>
+            </a:r>
+            <a:r>
+              <a:rPr lang="ko-KR" altLang="en-US"/>
+              <a:t> 내용을 모두 가져온 후 </a:t>
+            </a:r>
+            <a:r>
+              <a:rPr lang="en-US" altLang="ko-KR"/>
+              <a:t>Pattern, Matcher</a:t>
+            </a:r>
+            <a:r>
+              <a:rPr lang="ko-KR" altLang="en-US"/>
+              <a:t> 메소드로 </a:t>
+            </a:r>
+            <a:r>
+              <a:rPr lang="en-US" altLang="ko-KR"/>
+              <a:t>public class, { </a:t>
+            </a:r>
+            <a:r>
+              <a:rPr lang="ko-KR" altLang="en-US"/>
+              <a:t>사이의 클래스 명을 가져옴</a:t>
+            </a:r>
+            <a:endParaRPr lang="ko-KR" altLang="en-US"/>
+          </a:p>
+          <a:p>
+            <a:pPr marL="0" indent="0">
+              <a:buNone/>
+              <a:defRPr/>
+            </a:pPr>
+            <a:endParaRPr lang="en-US" altLang="ko-KR" sz="1000"/>
+          </a:p>
+          <a:p>
+            <a:pPr>
+              <a:defRPr/>
+            </a:pPr>
+            <a:r>
+              <a:rPr lang="ko-KR" altLang="en-US"/>
+              <a:t>클래스 명을 가져와서 파일명으로 저장</a:t>
+            </a:r>
+            <a:endParaRPr lang="ko-KR" altLang="en-US"/>
+          </a:p>
+          <a:p>
+            <a:pPr marL="0" indent="0">
+              <a:buNone/>
+              <a:defRPr/>
+            </a:pPr>
+            <a:r>
+              <a:rPr lang="ko-KR" altLang="en-US" sz="1000"/>
+              <a:t> </a:t>
+            </a:r>
+            <a:endParaRPr lang="en-US" altLang="ko-KR" sz="1000"/>
+          </a:p>
+          <a:p>
+            <a:pPr>
+              <a:defRPr/>
+            </a:pPr>
+            <a:r>
+              <a:rPr lang="ko-KR" altLang="en-US"/>
+              <a:t>저장을 마치고 </a:t>
+            </a:r>
+            <a:r>
+              <a:rPr lang="en-US" altLang="ko-KR"/>
+              <a:t>Runtime</a:t>
+            </a:r>
+            <a:r>
+              <a:rPr lang="ko-KR" altLang="en-US"/>
+              <a:t>으로 터미널에서 </a:t>
+            </a:r>
+            <a:r>
+              <a:rPr lang="en-US" altLang="ko-KR"/>
+              <a:t>javac</a:t>
+            </a:r>
+            <a:r>
+              <a:rPr lang="ko-KR" altLang="en-US"/>
+              <a:t> 명령을 내림</a:t>
+            </a:r>
+            <a:endParaRPr lang="ko-KR" altLang="en-US"/>
+          </a:p>
+          <a:p>
+            <a:pPr marL="0" indent="0">
+              <a:buNone/>
+              <a:defRPr/>
+            </a:pPr>
+            <a:r>
+              <a:rPr lang="ko-KR" altLang="en-US" sz="1081"/>
+              <a:t> </a:t>
+            </a:r>
+            <a:endParaRPr lang="en-US" altLang="ko-KR" sz="1081"/>
+          </a:p>
+          <a:p>
+            <a:pPr>
+              <a:defRPr/>
+            </a:pPr>
+            <a:r>
+              <a:rPr lang="ko-KR" altLang="en-US"/>
+              <a:t>컴파일이 끝나면 컴파일 완료 메세지를 콘솔 부분 </a:t>
+            </a:r>
+            <a:r>
+              <a:rPr lang="en-US" altLang="ko-KR"/>
+              <a:t>JTextArea</a:t>
+            </a:r>
+            <a:r>
+              <a:rPr lang="ko-KR" altLang="en-US"/>
+              <a:t>에 </a:t>
+            </a:r>
+            <a:r>
+              <a:rPr lang="en-US" altLang="ko-KR"/>
+              <a:t>append</a:t>
+            </a:r>
+            <a:r>
+              <a:rPr lang="ko-KR" altLang="en-US"/>
+              <a:t>하여 컴파일이 완료됨을 알린다</a:t>
+            </a:r>
+            <a:r>
+              <a:rPr lang="en-US" altLang="ko-KR"/>
+              <a:t>.</a:t>
+            </a:r>
+            <a:endParaRPr lang="en-US" altLang="ko-KR"/>
+          </a:p>
+          <a:p>
+            <a:pPr marL="0" indent="0">
+              <a:buNone/>
+              <a:defRPr/>
+            </a:pPr>
+            <a:r>
+              <a:rPr lang="ko-KR" altLang="en-US" sz="1176"/>
+              <a:t> </a:t>
+            </a:r>
+            <a:endParaRPr lang="en-US" altLang="ko-KR" sz="1176"/>
+          </a:p>
+          <a:p>
+            <a:pPr>
+              <a:defRPr/>
+            </a:pPr>
+            <a:r>
+              <a:rPr lang="ko-KR" altLang="en-US"/>
+              <a:t>완료되면 할당되었던 버퍼 메모리를 삭제한다</a:t>
+            </a:r>
+            <a:r>
+              <a:rPr lang="en-US" altLang="ko-KR"/>
+              <a:t>.</a:t>
+            </a:r>
+            <a:endParaRPr lang="en-US" altLang="ko-KR"/>
           </a:p>
         </p:txBody>
       </p:sp>
@@ -5366,8 +5456,8 @@
         </p:blipFill>
         <p:spPr>
           <a:xfrm>
-            <a:off x="586317" y="2204861"/>
-            <a:ext cx="11019366" cy="4117622"/>
+            <a:off x="107879" y="402211"/>
+            <a:ext cx="11976241" cy="6053578"/>
           </a:xfrm>
           <a:prstGeom prst="rect">
             <a:avLst/>
@@ -5499,14 +5589,12 @@
         </p:nvSpPr>
         <p:spPr>
           <a:xfrm>
-            <a:off x="609601" y="1033727"/>
-            <a:ext cx="10972798" cy="5425545"/>
+            <a:off x="609600" y="1994252"/>
+            <a:ext cx="10972798" cy="2869494"/>
           </a:xfrm>
         </p:spPr>
         <p:txBody>
-          <a:bodyPr>
-            <a:normAutofit fontScale="92500" lnSpcReduction="10000"/>
-          </a:bodyPr>
+          <a:bodyPr/>
           <a:lstStyle/>
           <a:p>
             <a:pPr>
@@ -5514,11 +5602,11 @@
             </a:pPr>
             <a:r>
               <a:rPr lang="ko-KR" altLang="en-US"/>
-              <a:t>컴파일 </a:t>
-            </a:r>
-            <a:r>
-              <a:rPr lang="en-US" altLang="ko-KR"/>
-              <a:t>Compile </a:t>
+              <a:t>실행 </a:t>
+            </a:r>
+            <a:r>
+              <a:rPr lang="en-US" altLang="ko-KR"/>
+              <a:t>Run </a:t>
             </a:r>
             <a:r>
               <a:rPr lang="ko-KR" altLang="en-US"/>
@@ -5527,165 +5615,46 @@
             <a:endParaRPr lang="ko-KR" altLang="en-US"/>
           </a:p>
           <a:p>
-            <a:pPr marL="0" indent="0">
-              <a:buNone/>
-              <a:defRPr/>
-            </a:pPr>
-            <a:endParaRPr lang="ko-KR" altLang="en-US"/>
-          </a:p>
-          <a:p>
             <a:pPr>
               <a:defRPr/>
             </a:pPr>
-            <a:r>
-              <a:rPr lang="ko-KR" altLang="en-US"/>
-              <a:t>사용자가 입력한 </a:t>
-            </a:r>
-            <a:r>
-              <a:rPr lang="en-US" altLang="ko-KR"/>
-              <a:t>JTextArea</a:t>
-            </a:r>
-            <a:r>
-              <a:rPr lang="ko-KR" altLang="en-US"/>
-              <a:t> 내용을 모두 가져온 후 </a:t>
-            </a:r>
-            <a:r>
-              <a:rPr lang="en-US" altLang="ko-KR"/>
-              <a:t>Pattern, Matcher</a:t>
-            </a:r>
-            <a:r>
-              <a:rPr lang="ko-KR" altLang="en-US"/>
-              <a:t> 메소드로 </a:t>
-            </a:r>
-            <a:r>
-              <a:rPr lang="en-US" altLang="ko-KR"/>
-              <a:t>public class, { </a:t>
-            </a:r>
-            <a:r>
-              <a:rPr lang="ko-KR" altLang="en-US"/>
-              <a:t>사이의 클래스 명을 가져옴</a:t>
-            </a:r>
-            <a:endParaRPr lang="ko-KR" altLang="en-US"/>
-          </a:p>
-          <a:p>
-            <a:pPr marL="0" indent="0">
-              <a:buNone/>
-              <a:defRPr/>
-            </a:pPr>
-            <a:endParaRPr lang="en-US" altLang="ko-KR" sz="1000"/>
+            <a:endParaRPr lang="ko-KR" altLang="en-US" sz="1000"/>
           </a:p>
           <a:p>
             <a:pPr>
               <a:defRPr/>
             </a:pPr>
-            <a:r>
-              <a:rPr lang="ko-KR" altLang="en-US"/>
-              <a:t>클래스 명을 가져와서 파일명으로 저장</a:t>
-            </a:r>
-            <a:endParaRPr lang="ko-KR" altLang="en-US"/>
-          </a:p>
-          <a:p>
-            <a:pPr marL="0" indent="0">
-              <a:buNone/>
-              <a:defRPr/>
-            </a:pPr>
-            <a:r>
-              <a:rPr lang="ko-KR" altLang="en-US" sz="1000"/>
-              <a:t> </a:t>
-            </a:r>
-            <a:endParaRPr lang="en-US" altLang="ko-KR" sz="1000"/>
+            <a:endParaRPr lang="ko-KR" altLang="en-US" sz="1000"/>
           </a:p>
           <a:p>
             <a:pPr>
               <a:defRPr/>
             </a:pPr>
             <a:r>
-              <a:rPr lang="ko-KR" altLang="en-US"/>
-              <a:t>저장을 마치고 </a:t>
-            </a:r>
-            <a:r>
-              <a:rPr lang="en-US" altLang="ko-KR"/>
+              <a:rPr lang="ko-KR" altLang="en-US" sz="3200"/>
+              <a:t>컴파일이 완료된 코드를 실행할 때는 </a:t>
+            </a:r>
+            <a:r>
+              <a:rPr lang="en-US" altLang="ko-KR" sz="3200"/>
               <a:t>Runtime</a:t>
             </a:r>
             <a:r>
-              <a:rPr lang="ko-KR" altLang="en-US"/>
-              <a:t>으로 터미널에서 </a:t>
-            </a:r>
-            <a:r>
-              <a:rPr lang="en-US" altLang="ko-KR"/>
-              <a:t>javac</a:t>
-            </a:r>
-            <a:r>
-              <a:rPr lang="ko-KR" altLang="en-US"/>
-              <a:t> 명령을 내림</a:t>
-            </a:r>
-            <a:endParaRPr lang="ko-KR" altLang="en-US"/>
-          </a:p>
-          <a:p>
-            <a:pPr marL="0" indent="0">
-              <a:buNone/>
-              <a:defRPr/>
-            </a:pPr>
-            <a:r>
-              <a:rPr lang="ko-KR" altLang="en-US" sz="1081"/>
-              <a:t> </a:t>
-            </a:r>
-            <a:endParaRPr lang="en-US" altLang="ko-KR" sz="1081"/>
-          </a:p>
-          <a:p>
-            <a:pPr>
-              <a:defRPr/>
-            </a:pPr>
-            <a:r>
-              <a:rPr lang="ko-KR" altLang="en-US"/>
-              <a:t>컴파일이 끝나면 컴파일 완료 메세지를 콘솔 부분 </a:t>
-            </a:r>
-            <a:r>
-              <a:rPr lang="en-US" altLang="ko-KR"/>
-              <a:t>JTextArea</a:t>
-            </a:r>
-            <a:r>
-              <a:rPr lang="ko-KR" altLang="en-US"/>
-              <a:t>에 </a:t>
-            </a:r>
-            <a:r>
-              <a:rPr lang="en-US" altLang="ko-KR"/>
-              <a:t>append</a:t>
-            </a:r>
-            <a:r>
-              <a:rPr lang="ko-KR" altLang="en-US"/>
-              <a:t>하여 컴파일이 완료됨을 알린다</a:t>
-            </a:r>
-            <a:r>
-              <a:rPr lang="en-US" altLang="ko-KR"/>
+              <a:rPr lang="ko-KR" altLang="en-US" sz="3200"/>
+              <a:t>을 이용하여 </a:t>
+            </a:r>
+            <a:r>
+              <a:rPr lang="en-US" altLang="ko-KR" sz="3200"/>
+              <a:t>java </a:t>
+            </a:r>
+            <a:r>
+              <a:rPr lang="ko-KR" altLang="en-US" sz="3200"/>
+              <a:t>명령을 내려서 위 컴파일이 끝난 클래스를 실행하도록 한다</a:t>
+            </a:r>
+            <a:r>
+              <a:rPr lang="en-US" altLang="ko-KR" sz="3200"/>
               <a:t>.</a:t>
             </a:r>
-            <a:endParaRPr lang="en-US" altLang="ko-KR"/>
-          </a:p>
-          <a:p>
-            <a:pPr marL="0" indent="0">
-              <a:buNone/>
-              <a:defRPr/>
-            </a:pPr>
-            <a:r>
-              <a:rPr lang="ko-KR" altLang="en-US" sz="1176"/>
-              <a:t> </a:t>
-            </a:r>
-            <a:endParaRPr lang="en-US" altLang="ko-KR" sz="1176"/>
-          </a:p>
-          <a:p>
-            <a:pPr>
-              <a:defRPr/>
-            </a:pPr>
-            <a:r>
-              <a:rPr lang="ko-KR" altLang="en-US"/>
-              <a:t>완료되면 할당되었던 버퍼 메모리를 삭제한다</a:t>
-            </a:r>
-            <a:r>
-              <a:rPr lang="en-US" altLang="ko-KR"/>
-              <a:t>.</a:t>
-            </a:r>
-            <a:endParaRPr lang="en-US" altLang="ko-KR"/>
+            <a:endParaRPr lang="en-US" altLang="ko-KR" sz="3200"/>
           </a:p>
         </p:txBody>
       </p:sp>
@@ -5703,8 +5672,8 @@
         </p:blipFill>
         <p:spPr>
           <a:xfrm>
-            <a:off x="107879" y="402211"/>
-            <a:ext cx="11976241" cy="6053578"/>
+            <a:off x="1404337" y="997126"/>
+            <a:ext cx="9383324" cy="4863747"/>
           </a:xfrm>
           <a:prstGeom prst="rect">
             <a:avLst/>
@@ -5826,222 +5795,6 @@
       </p:grpSpPr>
       <p:sp>
         <p:nvSpPr>
-          <p:cNvPr id="3" name="내용 개체 틀 2"/>
-          <p:cNvSpPr>
-            <a:spLocks noGrp="1"/>
-          </p:cNvSpPr>
-          <p:nvPr>
-            <p:ph idx="1"/>
-          </p:nvPr>
-        </p:nvSpPr>
-        <p:spPr>
-          <a:xfrm>
-            <a:off x="609600" y="1994252"/>
-            <a:ext cx="10972798" cy="2869494"/>
-          </a:xfrm>
-        </p:spPr>
-        <p:txBody>
-          <a:bodyPr/>
-          <a:lstStyle/>
-          <a:p>
-            <a:pPr>
-              <a:defRPr/>
-            </a:pPr>
-            <a:r>
-              <a:rPr lang="ko-KR" altLang="en-US"/>
-              <a:t>실행 </a:t>
-            </a:r>
-            <a:r>
-              <a:rPr lang="en-US" altLang="ko-KR"/>
-              <a:t>Run </a:t>
-            </a:r>
-            <a:r>
-              <a:rPr lang="ko-KR" altLang="en-US"/>
-              <a:t>이벤트</a:t>
-            </a:r>
-            <a:endParaRPr lang="ko-KR" altLang="en-US"/>
-          </a:p>
-          <a:p>
-            <a:pPr>
-              <a:defRPr/>
-            </a:pPr>
-            <a:endParaRPr lang="ko-KR" altLang="en-US" sz="1000"/>
-          </a:p>
-          <a:p>
-            <a:pPr>
-              <a:defRPr/>
-            </a:pPr>
-            <a:endParaRPr lang="ko-KR" altLang="en-US" sz="1000"/>
-          </a:p>
-          <a:p>
-            <a:pPr>
-              <a:defRPr/>
-            </a:pPr>
-            <a:r>
-              <a:rPr lang="ko-KR" altLang="en-US" sz="3200"/>
-              <a:t>컴파일이 완료된 코드를 실행할 때는 </a:t>
-            </a:r>
-            <a:r>
-              <a:rPr lang="en-US" altLang="ko-KR" sz="3200"/>
-              <a:t>Runtime</a:t>
-            </a:r>
-            <a:r>
-              <a:rPr lang="ko-KR" altLang="en-US" sz="3200"/>
-              <a:t>을 이용하여 </a:t>
-            </a:r>
-            <a:r>
-              <a:rPr lang="en-US" altLang="ko-KR" sz="3200"/>
-              <a:t>java </a:t>
-            </a:r>
-            <a:r>
-              <a:rPr lang="ko-KR" altLang="en-US" sz="3200"/>
-              <a:t>명령을 내려서 위 컴파일이 끝난 클래스를 실행하도록 한다</a:t>
-            </a:r>
-            <a:r>
-              <a:rPr lang="en-US" altLang="ko-KR" sz="3200"/>
-              <a:t>.</a:t>
-            </a:r>
-            <a:endParaRPr lang="en-US" altLang="ko-KR" sz="3200"/>
-          </a:p>
-        </p:txBody>
-      </p:sp>
-      <p:pic>
-        <p:nvPicPr>
-          <p:cNvPr id="4" name=""/>
-          <p:cNvPicPr/>
-          <p:nvPr/>
-        </p:nvPicPr>
-        <p:blipFill rotWithShape="1">
-          <a:blip r:embed="rId2"/>
-          <a:stretch>
-            <a:fillRect/>
-          </a:stretch>
-        </p:blipFill>
-        <p:spPr>
-          <a:xfrm>
-            <a:off x="1404337" y="997126"/>
-            <a:ext cx="9383324" cy="4863747"/>
-          </a:xfrm>
-          <a:prstGeom prst="rect">
-            <a:avLst/>
-          </a:prstGeom>
-          <a:noFill/>
-          <a:ln>
-            <a:noFill/>
-          </a:ln>
-          <a:effectLst/>
-        </p:spPr>
-      </p:pic>
-    </p:spTree>
-  </p:cSld>
-  <p:clrMapOvr>
-    <a:masterClrMapping/>
-  </p:clrMapOvr>
-  <mc:AlternateContent xmlns:mc="http://schemas.openxmlformats.org/markup-compatibility/2006">
-    <mc:Choice xmlns:p14="http://schemas.microsoft.com/office/powerpoint/2010/main" Requires="p14">
-      <p:transition xmlns:mc="http://schemas.openxmlformats.org/markup-compatibility/2006" xmlns:p14="http://schemas.microsoft.com/office/powerpoint/2010/main" mc:Ignorable="p14" p14:dur="500"/>
-    </mc:Choice>
-    <mc:Fallback>
-      <p:transition/>
-    </mc:Fallback>
-  </mc:AlternateContent>
-  <p:timing>
-    <p:tnLst>
-      <p:par>
-        <p:cTn id="1" dur="indefinite" restart="never" nodeType="tmRoot">
-          <p:childTnLst>
-            <p:seq concurrent="1" nextAc="seek">
-              <p:cTn id="2" dur="indefinite" nodeType="mainSeq">
-                <p:childTnLst>
-                  <p:par>
-                    <p:cTn id="3" fill="hold">
-                      <p:stCondLst>
-                        <p:cond delay="indefinite"/>
-                      </p:stCondLst>
-                      <p:childTnLst>
-                        <p:par>
-                          <p:cTn id="4" fill="hold">
-                            <p:stCondLst>
-                              <p:cond delay="0"/>
-                            </p:stCondLst>
-                            <p:childTnLst>
-                              <p:par>
-                                <p:cTn id="5" presetID="1" presetClass="entr" presetSubtype="0" fill="hold" nodeType="clickEffect">
-                                  <p:stCondLst>
-                                    <p:cond delay="0"/>
-                                  </p:stCondLst>
-                                  <p:childTnLst>
-                                    <p:set>
-                                      <p:cBhvr>
-                                        <p:cTn id="6" dur="1" fill="hold">
-                                          <p:stCondLst>
-                                            <p:cond delay="0"/>
-                                          </p:stCondLst>
-                                        </p:cTn>
-                                        <p:tgtEl>
-                                          <p:spTgt spid="4"/>
-                                        </p:tgtEl>
-                                        <p:attrNameLst>
-                                          <p:attrName>style.visibility</p:attrName>
-                                        </p:attrNameLst>
-                                      </p:cBhvr>
-                                      <p:to>
-                                        <p:strVal val="visible"/>
-                                      </p:to>
-                                    </p:set>
-                                  </p:childTnLst>
-                                </p:cTn>
-                              </p:par>
-                            </p:childTnLst>
-                          </p:cTn>
-                        </p:par>
-                      </p:childTnLst>
-                    </p:cTn>
-                  </p:par>
-                </p:childTnLst>
-              </p:cTn>
-              <p:prevCondLst>
-                <p:cond evt="onPrev" delay="0">
-                  <p:tgtEl>
-                    <p:sldTgt/>
-                  </p:tgtEl>
-                </p:cond>
-              </p:prevCondLst>
-              <p:nextCondLst>
-                <p:cond evt="onNext" delay="0">
-                  <p:tgtEl>
-                    <p:sldTgt/>
-                  </p:tgtEl>
-                </p:cond>
-              </p:nextCondLst>
-            </p:seq>
-          </p:childTnLst>
-        </p:cTn>
-      </p:par>
-    </p:tnLst>
-  </p:timing>
-</p:sld>
-</file>
-
-<file path=ppt/slides/slide18.xml><?xml version="1.0" encoding="utf-8"?>
-<p:sld xmlns:r="http://schemas.openxmlformats.org/officeDocument/2006/relationships" xmlns:c="http://schemas.openxmlformats.org/drawingml/2006/chart" xmlns:a="http://schemas.openxmlformats.org/drawingml/2006/main" xmlns:dgm="http://schemas.openxmlformats.org/drawingml/2006/diagram" xmlns:dsp="http://schemas.microsoft.com/office/drawing/2008/diagram" xmlns:p="http://schemas.openxmlformats.org/presentationml/2006/main">
-  <p:cSld>
-    <p:spTree>
-      <p:nvGrpSpPr>
-        <p:cNvPr id="1" name=""/>
-        <p:cNvGrpSpPr/>
-        <p:nvPr/>
-      </p:nvGrpSpPr>
-      <p:grpSpPr>
-        <a:xfrm>
-          <a:off x="0" y="0"/>
-          <a:ext cx="0" cy="0"/>
-          <a:chOff x="0" y="0"/>
-          <a:chExt cx="0" cy="0"/>
-        </a:xfrm>
-      </p:grpSpPr>
-      <p:sp>
-        <p:nvSpPr>
           <p:cNvPr id="15" name=""/>
           <p:cNvSpPr txBox="1"/>
           <p:nvPr/>
@@ -6156,7 +5909,7 @@
             </a:pPr>
             <a:r>
               <a:rPr lang="ko-KR" altLang="en-US"/>
-              <a:t>프로젝트 목표 및 범위</a:t>
+              <a:t>프로젝트 목표 </a:t>
             </a:r>
             <a:endParaRPr lang="ko-KR" altLang="en-US"/>
           </a:p>
@@ -6362,1750 +6115,145 @@
           <a:chExt cx="0" cy="0"/>
         </a:xfrm>
       </p:grpSpPr>
-      <p:graphicFrame>
-        <p:nvGraphicFramePr>
-          <p:cNvPr id="9" name=""/>
-          <p:cNvGraphicFramePr>
-            <a:graphicFrameLocks noGrp="1"/>
-          </p:cNvGraphicFramePr>
-          <p:nvPr/>
-        </p:nvGraphicFramePr>
-        <p:xfrm>
-          <a:off x="2" y="22860"/>
-          <a:ext cx="12191998" cy="6835140"/>
-        </p:xfrm>
-        <a:graphic>
-          <a:graphicData uri="http://schemas.openxmlformats.org/drawingml/2006/table">
-            <a:tbl>
-              <a:tblPr firstRow="1" bandRow="1"/>
-              <a:tblGrid>
-                <a:gridCol w="1810368"/>
-                <a:gridCol w="10381629"/>
-              </a:tblGrid>
-              <a:tr h="559017">
-                <a:tc>
-                  <a:txBody>
-                    <a:bodyPr vert="horz" wrap="square" lIns="91440" tIns="45720" rIns="91440" bIns="45720" anchor="ctr" anchorCtr="0">
-                      <a:spAutoFit/>
-                    </a:bodyPr>
-                    <a:p>
-                      <a:pPr algn="ctr">
-                        <a:lnSpc>
-                          <a:spcPct val="160000"/>
-                        </a:lnSpc>
-                        <a:spcBef>
-                          <a:spcPts val="0"/>
-                        </a:spcBef>
-                        <a:spcAft>
-                          <a:spcPts val="0"/>
-                        </a:spcAft>
-                        <a:defRPr/>
-                      </a:pPr>
-                      <a:r>
-                        <a:rPr xmlns:mc="http://schemas.openxmlformats.org/markup-compatibility/2006" xmlns:hp="http://schemas.haansoft.com/office/presentation/8.0" sz="2000" b="0" i="0" u="none" strike="noStrike" mc:Ignorable="hp" hp:hslEmbossed="0">
-                          <a:solidFill>
-                            <a:srgbClr val="000000"/>
-                          </a:solidFill>
-                          <a:latin typeface="함초롬바탕"/>
-                          <a:ea typeface="함초롬바탕"/>
-                          <a:cs typeface="함초롬바탕"/>
-                        </a:rPr>
-                        <a:t>구분</a:t>
-                      </a:r>
-                      <a:endParaRPr xmlns:mc="http://schemas.openxmlformats.org/markup-compatibility/2006" xmlns:hp="http://schemas.haansoft.com/office/presentation/8.0" sz="2000" b="0" i="0" u="none" strike="noStrike" mc:Ignorable="hp" hp:hslEmbossed="0">
-                        <a:solidFill>
-                          <a:srgbClr val="000000"/>
-                        </a:solidFill>
-                        <a:latin typeface="함초롬바탕"/>
-                        <a:ea typeface="함초롬바탕"/>
-                        <a:cs typeface="함초롬바탕"/>
-                      </a:endParaRPr>
-                    </a:p>
-                  </a:txBody>
-                  <a:tcPr marL="91440" marR="91440" anchor="ctr">
-                    <a:lnL w="4191">
-                      <a:solidFill>
-                        <a:srgbClr val="000000">
-                          <a:alpha val="100000"/>
-                        </a:srgbClr>
-                      </a:solidFill>
-                      <a:prstDash val="solid"/>
-                    </a:lnL>
-                    <a:lnR w="4191">
-                      <a:solidFill>
-                        <a:srgbClr val="000000">
-                          <a:alpha val="100000"/>
-                        </a:srgbClr>
-                      </a:solidFill>
-                      <a:prstDash val="solid"/>
-                    </a:lnR>
-                    <a:lnT w="4191">
-                      <a:solidFill>
-                        <a:srgbClr val="000000">
-                          <a:alpha val="100000"/>
-                        </a:srgbClr>
-                      </a:solidFill>
-                      <a:prstDash val="solid"/>
-                    </a:lnT>
-                    <a:lnB w="4191">
-                      <a:solidFill>
-                        <a:srgbClr val="000000">
-                          <a:alpha val="100000"/>
-                        </a:srgbClr>
-                      </a:solidFill>
-                      <a:prstDash val="solid"/>
-                    </a:lnB>
-                  </a:tcPr>
-                </a:tc>
-                <a:tc>
-                  <a:txBody>
-                    <a:bodyPr vert="horz" wrap="square" lIns="91440" tIns="45720" rIns="91440" bIns="45720" anchor="ctr" anchorCtr="0">
-                      <a:spAutoFit/>
-                    </a:bodyPr>
-                    <a:p>
-                      <a:pPr algn="ctr">
-                        <a:lnSpc>
-                          <a:spcPct val="160000"/>
-                        </a:lnSpc>
-                        <a:spcBef>
-                          <a:spcPts val="0"/>
-                        </a:spcBef>
-                        <a:spcAft>
-                          <a:spcPts val="0"/>
-                        </a:spcAft>
-                        <a:defRPr/>
-                      </a:pPr>
-                      <a:r>
-                        <a:rPr xmlns:mc="http://schemas.openxmlformats.org/markup-compatibility/2006" xmlns:hp="http://schemas.haansoft.com/office/presentation/8.0" sz="2000" b="0" i="0" u="none" strike="noStrike" mc:Ignorable="hp" hp:hslEmbossed="0">
-                          <a:solidFill>
-                            <a:srgbClr val="000000"/>
-                          </a:solidFill>
-                          <a:latin typeface="함초롬바탕"/>
-                          <a:ea typeface="함초롬바탕"/>
-                          <a:cs typeface="함초롬바탕"/>
-                        </a:rPr>
-                        <a:t>범위</a:t>
-                      </a:r>
-                      <a:endParaRPr xmlns:mc="http://schemas.openxmlformats.org/markup-compatibility/2006" xmlns:hp="http://schemas.haansoft.com/office/presentation/8.0" sz="2000" b="0" i="0" u="none" strike="noStrike" mc:Ignorable="hp" hp:hslEmbossed="0">
-                        <a:solidFill>
-                          <a:srgbClr val="000000"/>
-                        </a:solidFill>
-                        <a:latin typeface="함초롬바탕"/>
-                        <a:ea typeface="함초롬바탕"/>
-                        <a:cs typeface="함초롬바탕"/>
-                      </a:endParaRPr>
-                    </a:p>
-                  </a:txBody>
-                  <a:tcPr marL="91440" marR="91440" anchor="ctr">
-                    <a:lnL w="4191">
-                      <a:solidFill>
-                        <a:srgbClr val="000000">
-                          <a:alpha val="100000"/>
-                        </a:srgbClr>
-                      </a:solidFill>
-                      <a:prstDash val="solid"/>
-                    </a:lnL>
-                    <a:lnR w="4191">
-                      <a:solidFill>
-                        <a:srgbClr val="000000">
-                          <a:alpha val="100000"/>
-                        </a:srgbClr>
-                      </a:solidFill>
-                      <a:prstDash val="solid"/>
-                    </a:lnR>
-                    <a:lnT w="4191">
-                      <a:solidFill>
-                        <a:srgbClr val="000000">
-                          <a:alpha val="100000"/>
-                        </a:srgbClr>
-                      </a:solidFill>
-                      <a:prstDash val="solid"/>
-                    </a:lnT>
-                    <a:lnB w="4191">
-                      <a:solidFill>
-                        <a:srgbClr val="000000">
-                          <a:alpha val="100000"/>
-                        </a:srgbClr>
-                      </a:solidFill>
-                      <a:prstDash val="solid"/>
-                    </a:lnB>
-                  </a:tcPr>
-                </a:tc>
-              </a:tr>
-              <a:tr h="559017">
-                <a:tc>
-                  <a:txBody>
-                    <a:bodyPr vert="horz" wrap="square" lIns="91440" tIns="45720" rIns="91440" bIns="45720" anchor="ctr" anchorCtr="0">
-                      <a:spAutoFit/>
-                    </a:bodyPr>
-                    <a:p>
-                      <a:pPr algn="ctr">
-                        <a:lnSpc>
-                          <a:spcPct val="160000"/>
-                        </a:lnSpc>
-                        <a:spcBef>
-                          <a:spcPts val="0"/>
-                        </a:spcBef>
-                        <a:spcAft>
-                          <a:spcPts val="0"/>
-                        </a:spcAft>
-                        <a:defRPr/>
-                      </a:pPr>
-                      <a:r>
-                        <a:rPr xmlns:mc="http://schemas.openxmlformats.org/markup-compatibility/2006" xmlns:hp="http://schemas.haansoft.com/office/presentation/8.0" lang="EN-US" sz="2000" b="0" i="0" u="none" strike="noStrike" mc:Ignorable="hp" hp:hslEmbossed="0">
-                          <a:solidFill>
-                            <a:srgbClr val="000000"/>
-                          </a:solidFill>
-                          <a:latin typeface="함초롬바탕"/>
-                          <a:ea typeface="함초롬바탕"/>
-                        </a:rPr>
-                        <a:t>New</a:t>
-                      </a:r>
-                      <a:endParaRPr xmlns:mc="http://schemas.openxmlformats.org/markup-compatibility/2006" xmlns:hp="http://schemas.haansoft.com/office/presentation/8.0" lang="EN-US" sz="2000" b="0" i="0" u="none" strike="noStrike" mc:Ignorable="hp" hp:hslEmbossed="0">
-                        <a:solidFill>
-                          <a:srgbClr val="000000"/>
-                        </a:solidFill>
-                        <a:latin typeface="함초롬바탕"/>
-                        <a:ea typeface="함초롬바탕"/>
-                      </a:endParaRPr>
-                    </a:p>
-                  </a:txBody>
-                  <a:tcPr marL="91440" marR="91440" anchor="ctr">
-                    <a:lnL w="4191">
-                      <a:solidFill>
-                        <a:srgbClr val="000000">
-                          <a:alpha val="100000"/>
-                        </a:srgbClr>
-                      </a:solidFill>
-                      <a:prstDash val="solid"/>
-                    </a:lnL>
-                    <a:lnR w="4191">
-                      <a:solidFill>
-                        <a:srgbClr val="000000">
-                          <a:alpha val="100000"/>
-                        </a:srgbClr>
-                      </a:solidFill>
-                      <a:prstDash val="solid"/>
-                    </a:lnR>
-                    <a:lnT w="4191">
-                      <a:solidFill>
-                        <a:srgbClr val="000000">
-                          <a:alpha val="100000"/>
-                        </a:srgbClr>
-                      </a:solidFill>
-                      <a:prstDash val="solid"/>
-                    </a:lnT>
-                    <a:lnB w="4191">
-                      <a:solidFill>
-                        <a:srgbClr val="000000">
-                          <a:alpha val="100000"/>
-                        </a:srgbClr>
-                      </a:solidFill>
-                      <a:prstDash val="solid"/>
-                    </a:lnB>
-                  </a:tcPr>
-                </a:tc>
-                <a:tc>
-                  <a:txBody>
-                    <a:bodyPr vert="horz" wrap="square" lIns="91440" tIns="45720" rIns="91440" bIns="45720" anchor="ctr" anchorCtr="0">
-                      <a:spAutoFit/>
-                    </a:bodyPr>
-                    <a:p>
-                      <a:pPr algn="just">
-                        <a:lnSpc>
-                          <a:spcPct val="160000"/>
-                        </a:lnSpc>
-                        <a:spcBef>
-                          <a:spcPts val="0"/>
-                        </a:spcBef>
-                        <a:spcAft>
-                          <a:spcPts val="0"/>
-                        </a:spcAft>
-                        <a:defRPr/>
-                      </a:pPr>
-                      <a:r>
-                        <a:rPr xmlns:mc="http://schemas.openxmlformats.org/markup-compatibility/2006" xmlns:hp="http://schemas.haansoft.com/office/presentation/8.0" sz="2000" b="0" i="0" u="none" strike="noStrike" mc:Ignorable="hp" hp:hslEmbossed="0">
-                          <a:solidFill>
-                            <a:srgbClr val="000000"/>
-                          </a:solidFill>
-                          <a:latin typeface="함초롬바탕"/>
-                          <a:ea typeface="함초롬바탕"/>
-                          <a:cs typeface="함초롬바탕"/>
-                        </a:rPr>
-                        <a:t>메뉴를 누르면 새로운 코드를 새롭게 쓸 수 있도록 함</a:t>
-                      </a:r>
-                      <a:r>
-                        <a:rPr xmlns:mc="http://schemas.openxmlformats.org/markup-compatibility/2006" xmlns:hp="http://schemas.haansoft.com/office/presentation/8.0" lang="EN-US" sz="2000" b="0" i="0" u="none" strike="noStrike" mc:Ignorable="hp" hp:hslEmbossed="0">
-                          <a:solidFill>
-                            <a:srgbClr val="000000"/>
-                          </a:solidFill>
-                          <a:latin typeface="함초롬바탕"/>
-                          <a:ea typeface="함초롬바탕"/>
-                        </a:rPr>
-                        <a:t>.</a:t>
-                      </a:r>
-                      <a:endParaRPr xmlns:mc="http://schemas.openxmlformats.org/markup-compatibility/2006" xmlns:hp="http://schemas.haansoft.com/office/presentation/8.0" lang="EN-US" sz="2000" b="0" i="0" u="none" strike="noStrike" mc:Ignorable="hp" hp:hslEmbossed="0">
-                        <a:solidFill>
-                          <a:srgbClr val="000000"/>
-                        </a:solidFill>
-                        <a:latin typeface="함초롬바탕"/>
-                        <a:ea typeface="함초롬바탕"/>
-                      </a:endParaRPr>
-                    </a:p>
-                  </a:txBody>
-                  <a:tcPr marL="91440" marR="91440" anchor="ctr">
-                    <a:lnL w="4191">
-                      <a:solidFill>
-                        <a:srgbClr val="000000">
-                          <a:alpha val="100000"/>
-                        </a:srgbClr>
-                      </a:solidFill>
-                      <a:prstDash val="solid"/>
-                    </a:lnL>
-                    <a:lnR w="4191">
-                      <a:solidFill>
-                        <a:srgbClr val="000000">
-                          <a:alpha val="100000"/>
-                        </a:srgbClr>
-                      </a:solidFill>
-                      <a:prstDash val="solid"/>
-                    </a:lnR>
-                    <a:lnT w="4191">
-                      <a:solidFill>
-                        <a:srgbClr val="000000">
-                          <a:alpha val="100000"/>
-                        </a:srgbClr>
-                      </a:solidFill>
-                      <a:prstDash val="solid"/>
-                    </a:lnT>
-                    <a:lnB w="4191">
-                      <a:solidFill>
-                        <a:srgbClr val="000000">
-                          <a:alpha val="100000"/>
-                        </a:srgbClr>
-                      </a:solidFill>
-                      <a:prstDash val="solid"/>
-                    </a:lnB>
-                  </a:tcPr>
-                </a:tc>
-              </a:tr>
-              <a:tr h="559017">
-                <a:tc>
-                  <a:txBody>
-                    <a:bodyPr vert="horz" wrap="square" lIns="91440" tIns="45720" rIns="91440" bIns="45720" anchor="ctr" anchorCtr="0">
-                      <a:spAutoFit/>
-                    </a:bodyPr>
-                    <a:p>
-                      <a:pPr algn="ctr">
-                        <a:lnSpc>
-                          <a:spcPct val="160000"/>
-                        </a:lnSpc>
-                        <a:spcBef>
-                          <a:spcPts val="0"/>
-                        </a:spcBef>
-                        <a:spcAft>
-                          <a:spcPts val="0"/>
-                        </a:spcAft>
-                        <a:defRPr/>
-                      </a:pPr>
-                      <a:r>
-                        <a:rPr xmlns:mc="http://schemas.openxmlformats.org/markup-compatibility/2006" xmlns:hp="http://schemas.haansoft.com/office/presentation/8.0" lang="EN-US" sz="2000" b="0" i="0" u="none" strike="noStrike" mc:Ignorable="hp" hp:hslEmbossed="0">
-                          <a:solidFill>
-                            <a:srgbClr val="000000"/>
-                          </a:solidFill>
-                          <a:latin typeface="함초롬바탕"/>
-                          <a:ea typeface="함초롬바탕"/>
-                        </a:rPr>
-                        <a:t>Save</a:t>
-                      </a:r>
-                      <a:endParaRPr xmlns:mc="http://schemas.openxmlformats.org/markup-compatibility/2006" xmlns:hp="http://schemas.haansoft.com/office/presentation/8.0" lang="EN-US" sz="2000" b="0" i="0" u="none" strike="noStrike" mc:Ignorable="hp" hp:hslEmbossed="0">
-                        <a:solidFill>
-                          <a:srgbClr val="000000"/>
-                        </a:solidFill>
-                        <a:latin typeface="함초롬바탕"/>
-                        <a:ea typeface="함초롬바탕"/>
-                      </a:endParaRPr>
-                    </a:p>
-                  </a:txBody>
-                  <a:tcPr marL="91440" marR="91440" anchor="ctr">
-                    <a:lnL w="4191">
-                      <a:solidFill>
-                        <a:srgbClr val="000000">
-                          <a:alpha val="100000"/>
-                        </a:srgbClr>
-                      </a:solidFill>
-                      <a:prstDash val="solid"/>
-                    </a:lnL>
-                    <a:lnR w="4191">
-                      <a:solidFill>
-                        <a:srgbClr val="000000">
-                          <a:alpha val="100000"/>
-                        </a:srgbClr>
-                      </a:solidFill>
-                      <a:prstDash val="solid"/>
-                    </a:lnR>
-                    <a:lnT w="4191">
-                      <a:solidFill>
-                        <a:srgbClr val="000000">
-                          <a:alpha val="100000"/>
-                        </a:srgbClr>
-                      </a:solidFill>
-                      <a:prstDash val="solid"/>
-                    </a:lnT>
-                    <a:lnB w="4191">
-                      <a:solidFill>
-                        <a:srgbClr val="000000">
-                          <a:alpha val="100000"/>
-                        </a:srgbClr>
-                      </a:solidFill>
-                      <a:prstDash val="solid"/>
-                    </a:lnB>
-                  </a:tcPr>
-                </a:tc>
-                <a:tc>
-                  <a:txBody>
-                    <a:bodyPr vert="horz" wrap="square" lIns="91440" tIns="45720" rIns="91440" bIns="45720" anchor="ctr" anchorCtr="0">
-                      <a:spAutoFit/>
-                    </a:bodyPr>
-                    <a:p>
-                      <a:pPr algn="just">
-                        <a:lnSpc>
-                          <a:spcPct val="160000"/>
-                        </a:lnSpc>
-                        <a:spcBef>
-                          <a:spcPts val="0"/>
-                        </a:spcBef>
-                        <a:spcAft>
-                          <a:spcPts val="0"/>
-                        </a:spcAft>
-                        <a:defRPr/>
-                      </a:pPr>
-                      <a:r>
-                        <a:rPr xmlns:mc="http://schemas.openxmlformats.org/markup-compatibility/2006" xmlns:hp="http://schemas.haansoft.com/office/presentation/8.0" sz="2000" b="0" i="0" u="none" strike="noStrike" mc:Ignorable="hp" hp:hslEmbossed="0">
-                          <a:solidFill>
-                            <a:srgbClr val="000000"/>
-                          </a:solidFill>
-                          <a:latin typeface="함초롬바탕"/>
-                          <a:ea typeface="함초롬바탕"/>
-                          <a:cs typeface="함초롬바탕"/>
-                        </a:rPr>
-                        <a:t>메뉴를 누르면 원하는 위치에 파일을 저장할 수 있도록 함</a:t>
-                      </a:r>
-                      <a:r>
-                        <a:rPr xmlns:mc="http://schemas.openxmlformats.org/markup-compatibility/2006" xmlns:hp="http://schemas.haansoft.com/office/presentation/8.0" lang="EN-US" sz="2000" b="0" i="0" u="none" strike="noStrike" mc:Ignorable="hp" hp:hslEmbossed="0">
-                          <a:solidFill>
-                            <a:srgbClr val="000000"/>
-                          </a:solidFill>
-                          <a:latin typeface="함초롬바탕"/>
-                          <a:ea typeface="함초롬바탕"/>
-                        </a:rPr>
-                        <a:t>.</a:t>
-                      </a:r>
-                      <a:endParaRPr xmlns:mc="http://schemas.openxmlformats.org/markup-compatibility/2006" xmlns:hp="http://schemas.haansoft.com/office/presentation/8.0" lang="EN-US" sz="2000" b="0" i="0" u="none" strike="noStrike" mc:Ignorable="hp" hp:hslEmbossed="0">
-                        <a:solidFill>
-                          <a:srgbClr val="000000"/>
-                        </a:solidFill>
-                        <a:latin typeface="함초롬바탕"/>
-                        <a:ea typeface="함초롬바탕"/>
-                      </a:endParaRPr>
-                    </a:p>
-                  </a:txBody>
-                  <a:tcPr marL="91440" marR="91440" anchor="ctr">
-                    <a:lnL w="4191">
-                      <a:solidFill>
-                        <a:srgbClr val="000000">
-                          <a:alpha val="100000"/>
-                        </a:srgbClr>
-                      </a:solidFill>
-                      <a:prstDash val="solid"/>
-                    </a:lnL>
-                    <a:lnR w="4191">
-                      <a:solidFill>
-                        <a:srgbClr val="000000">
-                          <a:alpha val="100000"/>
-                        </a:srgbClr>
-                      </a:solidFill>
-                      <a:prstDash val="solid"/>
-                    </a:lnR>
-                    <a:lnT w="4191">
-                      <a:solidFill>
-                        <a:srgbClr val="000000">
-                          <a:alpha val="100000"/>
-                        </a:srgbClr>
-                      </a:solidFill>
-                      <a:prstDash val="solid"/>
-                    </a:lnT>
-                    <a:lnB w="4191">
-                      <a:solidFill>
-                        <a:srgbClr val="000000">
-                          <a:alpha val="100000"/>
-                        </a:srgbClr>
-                      </a:solidFill>
-                      <a:prstDash val="solid"/>
-                    </a:lnB>
-                  </a:tcPr>
-                </a:tc>
-              </a:tr>
-              <a:tr h="559017">
-                <a:tc>
-                  <a:txBody>
-                    <a:bodyPr vert="horz" wrap="square" lIns="91440" tIns="45720" rIns="91440" bIns="45720" anchor="ctr" anchorCtr="0">
-                      <a:spAutoFit/>
-                    </a:bodyPr>
-                    <a:p>
-                      <a:pPr algn="ctr">
-                        <a:lnSpc>
-                          <a:spcPct val="160000"/>
-                        </a:lnSpc>
-                        <a:spcBef>
-                          <a:spcPts val="0"/>
-                        </a:spcBef>
-                        <a:spcAft>
-                          <a:spcPts val="0"/>
-                        </a:spcAft>
-                        <a:defRPr/>
-                      </a:pPr>
-                      <a:r>
-                        <a:rPr xmlns:mc="http://schemas.openxmlformats.org/markup-compatibility/2006" xmlns:hp="http://schemas.haansoft.com/office/presentation/8.0" lang="EN-US" sz="2000" b="0" i="0" u="none" strike="noStrike" mc:Ignorable="hp" hp:hslEmbossed="0">
-                          <a:solidFill>
-                            <a:srgbClr val="000000"/>
-                          </a:solidFill>
-                          <a:latin typeface="함초롬바탕"/>
-                          <a:ea typeface="함초롬바탕"/>
-                        </a:rPr>
-                        <a:t>Open</a:t>
-                      </a:r>
-                      <a:endParaRPr xmlns:mc="http://schemas.openxmlformats.org/markup-compatibility/2006" xmlns:hp="http://schemas.haansoft.com/office/presentation/8.0" lang="EN-US" sz="2000" b="0" i="0" u="none" strike="noStrike" mc:Ignorable="hp" hp:hslEmbossed="0">
-                        <a:solidFill>
-                          <a:srgbClr val="000000"/>
-                        </a:solidFill>
-                        <a:latin typeface="함초롬바탕"/>
-                        <a:ea typeface="함초롬바탕"/>
-                      </a:endParaRPr>
-                    </a:p>
-                  </a:txBody>
-                  <a:tcPr marL="91440" marR="91440" anchor="ctr">
-                    <a:lnL w="4191">
-                      <a:solidFill>
-                        <a:srgbClr val="000000">
-                          <a:alpha val="100000"/>
-                        </a:srgbClr>
-                      </a:solidFill>
-                      <a:prstDash val="solid"/>
-                    </a:lnL>
-                    <a:lnR w="4191">
-                      <a:solidFill>
-                        <a:srgbClr val="000000">
-                          <a:alpha val="100000"/>
-                        </a:srgbClr>
-                      </a:solidFill>
-                      <a:prstDash val="solid"/>
-                    </a:lnR>
-                    <a:lnT w="4191">
-                      <a:solidFill>
-                        <a:srgbClr val="000000">
-                          <a:alpha val="100000"/>
-                        </a:srgbClr>
-                      </a:solidFill>
-                      <a:prstDash val="solid"/>
-                    </a:lnT>
-                    <a:lnB w="4191">
-                      <a:solidFill>
-                        <a:srgbClr val="000000">
-                          <a:alpha val="100000"/>
-                        </a:srgbClr>
-                      </a:solidFill>
-                      <a:prstDash val="solid"/>
-                    </a:lnB>
-                  </a:tcPr>
-                </a:tc>
-                <a:tc>
-                  <a:txBody>
-                    <a:bodyPr vert="horz" wrap="square" lIns="91440" tIns="45720" rIns="91440" bIns="45720" anchor="ctr" anchorCtr="0">
-                      <a:spAutoFit/>
-                    </a:bodyPr>
-                    <a:p>
-                      <a:pPr algn="just">
-                        <a:lnSpc>
-                          <a:spcPct val="160000"/>
-                        </a:lnSpc>
-                        <a:spcBef>
-                          <a:spcPts val="0"/>
-                        </a:spcBef>
-                        <a:spcAft>
-                          <a:spcPts val="0"/>
-                        </a:spcAft>
-                        <a:defRPr/>
-                      </a:pPr>
-                      <a:r>
-                        <a:rPr xmlns:mc="http://schemas.openxmlformats.org/markup-compatibility/2006" xmlns:hp="http://schemas.haansoft.com/office/presentation/8.0" sz="2000" b="0" i="0" u="none" strike="noStrike" mc:Ignorable="hp" hp:hslEmbossed="0">
-                          <a:solidFill>
-                            <a:srgbClr val="000000"/>
-                          </a:solidFill>
-                          <a:latin typeface="함초롬바탕"/>
-                          <a:ea typeface="함초롬바탕"/>
-                          <a:cs typeface="함초롬바탕"/>
-                        </a:rPr>
-                        <a:t>메뉴를 누르면 원하는 위치에 있는 파일을 불러올 수 있도록 함</a:t>
-                      </a:r>
-                      <a:r>
-                        <a:rPr xmlns:mc="http://schemas.openxmlformats.org/markup-compatibility/2006" xmlns:hp="http://schemas.haansoft.com/office/presentation/8.0" lang="EN-US" sz="2000" b="0" i="0" u="none" strike="noStrike" mc:Ignorable="hp" hp:hslEmbossed="0">
-                          <a:solidFill>
-                            <a:srgbClr val="000000"/>
-                          </a:solidFill>
-                          <a:latin typeface="함초롬바탕"/>
-                          <a:ea typeface="함초롬바탕"/>
-                        </a:rPr>
-                        <a:t>.</a:t>
-                      </a:r>
-                      <a:endParaRPr xmlns:mc="http://schemas.openxmlformats.org/markup-compatibility/2006" xmlns:hp="http://schemas.haansoft.com/office/presentation/8.0" lang="EN-US" sz="2000" b="0" i="0" u="none" strike="noStrike" mc:Ignorable="hp" hp:hslEmbossed="0">
-                        <a:solidFill>
-                          <a:srgbClr val="000000"/>
-                        </a:solidFill>
-                        <a:latin typeface="함초롬바탕"/>
-                        <a:ea typeface="함초롬바탕"/>
-                      </a:endParaRPr>
-                    </a:p>
-                  </a:txBody>
-                  <a:tcPr marL="91440" marR="91440" anchor="ctr">
-                    <a:lnL w="4191">
-                      <a:solidFill>
-                        <a:srgbClr val="000000">
-                          <a:alpha val="100000"/>
-                        </a:srgbClr>
-                      </a:solidFill>
-                      <a:prstDash val="solid"/>
-                    </a:lnL>
-                    <a:lnR w="4191">
-                      <a:solidFill>
-                        <a:srgbClr val="000000">
-                          <a:alpha val="100000"/>
-                        </a:srgbClr>
-                      </a:solidFill>
-                      <a:prstDash val="solid"/>
-                    </a:lnR>
-                    <a:lnT w="4191">
-                      <a:solidFill>
-                        <a:srgbClr val="000000">
-                          <a:alpha val="100000"/>
-                        </a:srgbClr>
-                      </a:solidFill>
-                      <a:prstDash val="solid"/>
-                    </a:lnT>
-                    <a:lnB w="4191">
-                      <a:solidFill>
-                        <a:srgbClr val="000000">
-                          <a:alpha val="100000"/>
-                        </a:srgbClr>
-                      </a:solidFill>
-                      <a:prstDash val="solid"/>
-                    </a:lnB>
-                  </a:tcPr>
-                </a:tc>
-              </a:tr>
-              <a:tr h="559017">
-                <a:tc>
-                  <a:txBody>
-                    <a:bodyPr vert="horz" wrap="square" lIns="91440" tIns="45720" rIns="91440" bIns="45720" anchor="ctr" anchorCtr="0">
-                      <a:spAutoFit/>
-                    </a:bodyPr>
-                    <a:p>
-                      <a:pPr algn="ctr">
-                        <a:lnSpc>
-                          <a:spcPct val="160000"/>
-                        </a:lnSpc>
-                        <a:spcBef>
-                          <a:spcPts val="0"/>
-                        </a:spcBef>
-                        <a:spcAft>
-                          <a:spcPts val="0"/>
-                        </a:spcAft>
-                        <a:defRPr/>
-                      </a:pPr>
-                      <a:r>
-                        <a:rPr xmlns:mc="http://schemas.openxmlformats.org/markup-compatibility/2006" xmlns:hp="http://schemas.haansoft.com/office/presentation/8.0" lang="EN-US" sz="2000" b="0" i="0" u="none" strike="noStrike" mc:Ignorable="hp" hp:hslEmbossed="0">
-                          <a:solidFill>
-                            <a:srgbClr val="000000"/>
-                          </a:solidFill>
-                          <a:latin typeface="함초롬바탕"/>
-                          <a:ea typeface="함초롬바탕"/>
-                        </a:rPr>
-                        <a:t>Credit</a:t>
-                      </a:r>
-                      <a:endParaRPr xmlns:mc="http://schemas.openxmlformats.org/markup-compatibility/2006" xmlns:hp="http://schemas.haansoft.com/office/presentation/8.0" lang="EN-US" sz="2000" b="0" i="0" u="none" strike="noStrike" mc:Ignorable="hp" hp:hslEmbossed="0">
-                        <a:solidFill>
-                          <a:srgbClr val="000000"/>
-                        </a:solidFill>
-                        <a:latin typeface="함초롬바탕"/>
-                        <a:ea typeface="함초롬바탕"/>
-                      </a:endParaRPr>
-                    </a:p>
-                  </a:txBody>
-                  <a:tcPr marL="91440" marR="91440" anchor="ctr">
-                    <a:lnL w="4191">
-                      <a:solidFill>
-                        <a:srgbClr val="000000">
-                          <a:alpha val="100000"/>
-                        </a:srgbClr>
-                      </a:solidFill>
-                      <a:prstDash val="solid"/>
-                    </a:lnL>
-                    <a:lnR w="4191">
-                      <a:solidFill>
-                        <a:srgbClr val="000000">
-                          <a:alpha val="100000"/>
-                        </a:srgbClr>
-                      </a:solidFill>
-                      <a:prstDash val="solid"/>
-                    </a:lnR>
-                    <a:lnT w="4191">
-                      <a:solidFill>
-                        <a:srgbClr val="000000">
-                          <a:alpha val="100000"/>
-                        </a:srgbClr>
-                      </a:solidFill>
-                      <a:prstDash val="solid"/>
-                    </a:lnT>
-                    <a:lnB w="4191">
-                      <a:solidFill>
-                        <a:srgbClr val="000000">
-                          <a:alpha val="100000"/>
-                        </a:srgbClr>
-                      </a:solidFill>
-                      <a:prstDash val="solid"/>
-                    </a:lnB>
-                  </a:tcPr>
-                </a:tc>
-                <a:tc>
-                  <a:txBody>
-                    <a:bodyPr vert="horz" wrap="square" lIns="91440" tIns="45720" rIns="91440" bIns="45720" anchor="ctr" anchorCtr="0">
-                      <a:spAutoFit/>
-                    </a:bodyPr>
-                    <a:p>
-                      <a:pPr algn="just">
-                        <a:lnSpc>
-                          <a:spcPct val="160000"/>
-                        </a:lnSpc>
-                        <a:spcBef>
-                          <a:spcPts val="0"/>
-                        </a:spcBef>
-                        <a:spcAft>
-                          <a:spcPts val="0"/>
-                        </a:spcAft>
-                        <a:defRPr/>
-                      </a:pPr>
-                      <a:r>
-                        <a:rPr xmlns:mc="http://schemas.openxmlformats.org/markup-compatibility/2006" xmlns:hp="http://schemas.haansoft.com/office/presentation/8.0" sz="2000" b="0" i="0" u="none" strike="noStrike" mc:Ignorable="hp" hp:hslEmbossed="0">
-                          <a:solidFill>
-                            <a:srgbClr val="000000"/>
-                          </a:solidFill>
-                          <a:latin typeface="함초롬바탕"/>
-                          <a:ea typeface="함초롬바탕"/>
-                          <a:cs typeface="함초롬바탕"/>
-                        </a:rPr>
-                        <a:t>개발자의 정보를 볼 수 있도록 함</a:t>
-                      </a:r>
-                      <a:r>
-                        <a:rPr xmlns:mc="http://schemas.openxmlformats.org/markup-compatibility/2006" xmlns:hp="http://schemas.haansoft.com/office/presentation/8.0" lang="EN-US" sz="2000" b="0" i="0" u="none" strike="noStrike" mc:Ignorable="hp" hp:hslEmbossed="0">
-                          <a:solidFill>
-                            <a:srgbClr val="000000"/>
-                          </a:solidFill>
-                          <a:latin typeface="함초롬바탕"/>
-                          <a:ea typeface="함초롬바탕"/>
-                        </a:rPr>
-                        <a:t>.</a:t>
-                      </a:r>
-                      <a:endParaRPr xmlns:mc="http://schemas.openxmlformats.org/markup-compatibility/2006" xmlns:hp="http://schemas.haansoft.com/office/presentation/8.0" lang="EN-US" sz="2000" b="0" i="0" u="none" strike="noStrike" mc:Ignorable="hp" hp:hslEmbossed="0">
-                        <a:solidFill>
-                          <a:srgbClr val="000000"/>
-                        </a:solidFill>
-                        <a:latin typeface="함초롬바탕"/>
-                        <a:ea typeface="함초롬바탕"/>
-                      </a:endParaRPr>
-                    </a:p>
-                  </a:txBody>
-                  <a:tcPr marL="91440" marR="91440" anchor="ctr">
-                    <a:lnL w="4191">
-                      <a:solidFill>
-                        <a:srgbClr val="000000">
-                          <a:alpha val="100000"/>
-                        </a:srgbClr>
-                      </a:solidFill>
-                      <a:prstDash val="solid"/>
-                    </a:lnL>
-                    <a:lnR w="4191">
-                      <a:solidFill>
-                        <a:srgbClr val="000000">
-                          <a:alpha val="100000"/>
-                        </a:srgbClr>
-                      </a:solidFill>
-                      <a:prstDash val="solid"/>
-                    </a:lnR>
-                    <a:lnT w="4191">
-                      <a:solidFill>
-                        <a:srgbClr val="000000">
-                          <a:alpha val="100000"/>
-                        </a:srgbClr>
-                      </a:solidFill>
-                      <a:prstDash val="solid"/>
-                    </a:lnT>
-                    <a:lnB w="4191">
-                      <a:solidFill>
-                        <a:srgbClr val="000000">
-                          <a:alpha val="100000"/>
-                        </a:srgbClr>
-                      </a:solidFill>
-                      <a:prstDash val="solid"/>
-                    </a:lnB>
-                  </a:tcPr>
-                </a:tc>
-              </a:tr>
-              <a:tr h="559017">
-                <a:tc>
-                  <a:txBody>
-                    <a:bodyPr vert="horz" wrap="square" lIns="91440" tIns="45720" rIns="91440" bIns="45720" anchor="ctr" anchorCtr="0">
-                      <a:spAutoFit/>
-                    </a:bodyPr>
-                    <a:p>
-                      <a:pPr algn="ctr">
-                        <a:lnSpc>
-                          <a:spcPct val="160000"/>
-                        </a:lnSpc>
-                        <a:spcBef>
-                          <a:spcPts val="0"/>
-                        </a:spcBef>
-                        <a:spcAft>
-                          <a:spcPts val="0"/>
-                        </a:spcAft>
-                        <a:defRPr/>
-                      </a:pPr>
-                      <a:r>
-                        <a:rPr xmlns:mc="http://schemas.openxmlformats.org/markup-compatibility/2006" xmlns:hp="http://schemas.haansoft.com/office/presentation/8.0" lang="EN-US" sz="2000" b="0" i="0" u="none" strike="noStrike" mc:Ignorable="hp" hp:hslEmbossed="0">
-                          <a:solidFill>
-                            <a:srgbClr val="000000"/>
-                          </a:solidFill>
-                          <a:latin typeface="함초롬바탕"/>
-                          <a:ea typeface="함초롬바탕"/>
-                        </a:rPr>
-                        <a:t>Copy</a:t>
-                      </a:r>
-                      <a:endParaRPr xmlns:mc="http://schemas.openxmlformats.org/markup-compatibility/2006" xmlns:hp="http://schemas.haansoft.com/office/presentation/8.0" lang="EN-US" sz="2000" b="0" i="0" u="none" strike="noStrike" mc:Ignorable="hp" hp:hslEmbossed="0">
-                        <a:solidFill>
-                          <a:srgbClr val="000000"/>
-                        </a:solidFill>
-                        <a:latin typeface="함초롬바탕"/>
-                        <a:ea typeface="함초롬바탕"/>
-                      </a:endParaRPr>
-                    </a:p>
-                  </a:txBody>
-                  <a:tcPr marL="91440" marR="91440" anchor="ctr">
-                    <a:lnL w="4191">
-                      <a:solidFill>
-                        <a:srgbClr val="000000">
-                          <a:alpha val="100000"/>
-                        </a:srgbClr>
-                      </a:solidFill>
-                      <a:prstDash val="solid"/>
-                    </a:lnL>
-                    <a:lnR w="4191">
-                      <a:solidFill>
-                        <a:srgbClr val="000000">
-                          <a:alpha val="100000"/>
-                        </a:srgbClr>
-                      </a:solidFill>
-                      <a:prstDash val="solid"/>
-                    </a:lnR>
-                    <a:lnT w="4191">
-                      <a:solidFill>
-                        <a:srgbClr val="000000">
-                          <a:alpha val="100000"/>
-                        </a:srgbClr>
-                      </a:solidFill>
-                      <a:prstDash val="solid"/>
-                    </a:lnT>
-                    <a:lnB w="4191">
-                      <a:solidFill>
-                        <a:srgbClr val="000000">
-                          <a:alpha val="100000"/>
-                        </a:srgbClr>
-                      </a:solidFill>
-                      <a:prstDash val="solid"/>
-                    </a:lnB>
-                  </a:tcPr>
-                </a:tc>
-                <a:tc>
-                  <a:txBody>
-                    <a:bodyPr vert="horz" wrap="square" lIns="91440" tIns="45720" rIns="91440" bIns="45720" anchor="ctr" anchorCtr="0">
-                      <a:spAutoFit/>
-                    </a:bodyPr>
-                    <a:p>
-                      <a:pPr algn="just">
-                        <a:lnSpc>
-                          <a:spcPct val="160000"/>
-                        </a:lnSpc>
-                        <a:spcBef>
-                          <a:spcPts val="0"/>
-                        </a:spcBef>
-                        <a:spcAft>
-                          <a:spcPts val="0"/>
-                        </a:spcAft>
-                        <a:defRPr/>
-                      </a:pPr>
-                      <a:r>
-                        <a:rPr xmlns:mc="http://schemas.openxmlformats.org/markup-compatibility/2006" xmlns:hp="http://schemas.haansoft.com/office/presentation/8.0" sz="2000" b="0" i="0" u="none" strike="noStrike" mc:Ignorable="hp" hp:hslEmbossed="0">
-                          <a:solidFill>
-                            <a:srgbClr val="000000"/>
-                          </a:solidFill>
-                          <a:latin typeface="함초롬바탕"/>
-                          <a:ea typeface="함초롬바탕"/>
-                          <a:cs typeface="함초롬바탕"/>
-                        </a:rPr>
-                        <a:t>메뉴를 누르면 작성하던 실행 코드를 복사할 수 있도록 함</a:t>
-                      </a:r>
-                      <a:r>
-                        <a:rPr xmlns:mc="http://schemas.openxmlformats.org/markup-compatibility/2006" xmlns:hp="http://schemas.haansoft.com/office/presentation/8.0" lang="EN-US" sz="2000" b="0" i="0" u="none" strike="noStrike" mc:Ignorable="hp" hp:hslEmbossed="0">
-                          <a:solidFill>
-                            <a:srgbClr val="000000"/>
-                          </a:solidFill>
-                          <a:latin typeface="함초롬바탕"/>
-                          <a:ea typeface="함초롬바탕"/>
-                        </a:rPr>
-                        <a:t>.</a:t>
-                      </a:r>
-                      <a:endParaRPr xmlns:mc="http://schemas.openxmlformats.org/markup-compatibility/2006" xmlns:hp="http://schemas.haansoft.com/office/presentation/8.0" lang="EN-US" sz="2000" b="0" i="0" u="none" strike="noStrike" mc:Ignorable="hp" hp:hslEmbossed="0">
-                        <a:solidFill>
-                          <a:srgbClr val="000000"/>
-                        </a:solidFill>
-                        <a:latin typeface="함초롬바탕"/>
-                        <a:ea typeface="함초롬바탕"/>
-                      </a:endParaRPr>
-                    </a:p>
-                  </a:txBody>
-                  <a:tcPr marL="91440" marR="91440" anchor="ctr">
-                    <a:lnL w="4191">
-                      <a:solidFill>
-                        <a:srgbClr val="000000">
-                          <a:alpha val="100000"/>
-                        </a:srgbClr>
-                      </a:solidFill>
-                      <a:prstDash val="solid"/>
-                    </a:lnL>
-                    <a:lnR w="4191">
-                      <a:solidFill>
-                        <a:srgbClr val="000000">
-                          <a:alpha val="100000"/>
-                        </a:srgbClr>
-                      </a:solidFill>
-                      <a:prstDash val="solid"/>
-                    </a:lnR>
-                    <a:lnT w="4191">
-                      <a:solidFill>
-                        <a:srgbClr val="000000">
-                          <a:alpha val="100000"/>
-                        </a:srgbClr>
-                      </a:solidFill>
-                      <a:prstDash val="solid"/>
-                    </a:lnT>
-                    <a:lnB w="4191">
-                      <a:solidFill>
-                        <a:srgbClr val="000000">
-                          <a:alpha val="100000"/>
-                        </a:srgbClr>
-                      </a:solidFill>
-                      <a:prstDash val="solid"/>
-                    </a:lnB>
-                  </a:tcPr>
-                </a:tc>
-              </a:tr>
-              <a:tr h="559017">
-                <a:tc>
-                  <a:txBody>
-                    <a:bodyPr vert="horz" wrap="square" lIns="91440" tIns="45720" rIns="91440" bIns="45720" anchor="ctr" anchorCtr="0">
-                      <a:spAutoFit/>
-                    </a:bodyPr>
-                    <a:p>
-                      <a:pPr algn="ctr">
-                        <a:lnSpc>
-                          <a:spcPct val="160000"/>
-                        </a:lnSpc>
-                        <a:spcBef>
-                          <a:spcPts val="0"/>
-                        </a:spcBef>
-                        <a:spcAft>
-                          <a:spcPts val="0"/>
-                        </a:spcAft>
-                        <a:defRPr/>
-                      </a:pPr>
-                      <a:r>
-                        <a:rPr xmlns:mc="http://schemas.openxmlformats.org/markup-compatibility/2006" xmlns:hp="http://schemas.haansoft.com/office/presentation/8.0" lang="EN-US" sz="2000" b="0" i="0" u="none" strike="noStrike" mc:Ignorable="hp" hp:hslEmbossed="0">
-                          <a:solidFill>
-                            <a:srgbClr val="000000"/>
-                          </a:solidFill>
-                          <a:latin typeface="함초롬바탕"/>
-                          <a:ea typeface="함초롬바탕"/>
-                        </a:rPr>
-                        <a:t>Cut</a:t>
-                      </a:r>
-                      <a:endParaRPr xmlns:mc="http://schemas.openxmlformats.org/markup-compatibility/2006" xmlns:hp="http://schemas.haansoft.com/office/presentation/8.0" lang="EN-US" sz="2000" b="0" i="0" u="none" strike="noStrike" mc:Ignorable="hp" hp:hslEmbossed="0">
-                        <a:solidFill>
-                          <a:srgbClr val="000000"/>
-                        </a:solidFill>
-                        <a:latin typeface="함초롬바탕"/>
-                        <a:ea typeface="함초롬바탕"/>
-                      </a:endParaRPr>
-                    </a:p>
-                  </a:txBody>
-                  <a:tcPr marL="91440" marR="91440" anchor="ctr">
-                    <a:lnL w="4191">
-                      <a:solidFill>
-                        <a:srgbClr val="000000">
-                          <a:alpha val="100000"/>
-                        </a:srgbClr>
-                      </a:solidFill>
-                      <a:prstDash val="solid"/>
-                    </a:lnL>
-                    <a:lnR w="4191">
-                      <a:solidFill>
-                        <a:srgbClr val="000000">
-                          <a:alpha val="100000"/>
-                        </a:srgbClr>
-                      </a:solidFill>
-                      <a:prstDash val="solid"/>
-                    </a:lnR>
-                    <a:lnT w="4191">
-                      <a:solidFill>
-                        <a:srgbClr val="000000">
-                          <a:alpha val="100000"/>
-                        </a:srgbClr>
-                      </a:solidFill>
-                      <a:prstDash val="solid"/>
-                    </a:lnT>
-                    <a:lnB w="4191">
-                      <a:solidFill>
-                        <a:srgbClr val="000000">
-                          <a:alpha val="100000"/>
-                        </a:srgbClr>
-                      </a:solidFill>
-                      <a:prstDash val="solid"/>
-                    </a:lnB>
-                  </a:tcPr>
-                </a:tc>
-                <a:tc>
-                  <a:txBody>
-                    <a:bodyPr vert="horz" wrap="square" lIns="91440" tIns="45720" rIns="91440" bIns="45720" anchor="ctr" anchorCtr="0">
-                      <a:spAutoFit/>
-                    </a:bodyPr>
-                    <a:p>
-                      <a:pPr algn="just">
-                        <a:lnSpc>
-                          <a:spcPct val="160000"/>
-                        </a:lnSpc>
-                        <a:spcBef>
-                          <a:spcPts val="0"/>
-                        </a:spcBef>
-                        <a:spcAft>
-                          <a:spcPts val="0"/>
-                        </a:spcAft>
-                        <a:defRPr/>
-                      </a:pPr>
-                      <a:r>
-                        <a:rPr xmlns:mc="http://schemas.openxmlformats.org/markup-compatibility/2006" xmlns:hp="http://schemas.haansoft.com/office/presentation/8.0" sz="2000" b="0" i="0" u="none" strike="noStrike" mc:Ignorable="hp" hp:hslEmbossed="0">
-                          <a:solidFill>
-                            <a:srgbClr val="000000"/>
-                          </a:solidFill>
-                          <a:latin typeface="함초롬바탕"/>
-                          <a:ea typeface="함초롬바탕"/>
-                          <a:cs typeface="함초롬바탕"/>
-                        </a:rPr>
-                        <a:t>메뉴를 누르면 작성하던 실행 코드를 복사하고 지울 수 있도록 함</a:t>
-                      </a:r>
-                      <a:r>
-                        <a:rPr xmlns:mc="http://schemas.openxmlformats.org/markup-compatibility/2006" xmlns:hp="http://schemas.haansoft.com/office/presentation/8.0" lang="EN-US" sz="2000" b="0" i="0" u="none" strike="noStrike" mc:Ignorable="hp" hp:hslEmbossed="0">
-                          <a:solidFill>
-                            <a:srgbClr val="000000"/>
-                          </a:solidFill>
-                          <a:latin typeface="함초롬바탕"/>
-                          <a:ea typeface="함초롬바탕"/>
-                        </a:rPr>
-                        <a:t>.</a:t>
-                      </a:r>
-                      <a:endParaRPr xmlns:mc="http://schemas.openxmlformats.org/markup-compatibility/2006" xmlns:hp="http://schemas.haansoft.com/office/presentation/8.0" lang="EN-US" sz="2000" b="0" i="0" u="none" strike="noStrike" mc:Ignorable="hp" hp:hslEmbossed="0">
-                        <a:solidFill>
-                          <a:srgbClr val="000000"/>
-                        </a:solidFill>
-                        <a:latin typeface="함초롬바탕"/>
-                        <a:ea typeface="함초롬바탕"/>
-                      </a:endParaRPr>
-                    </a:p>
-                  </a:txBody>
-                  <a:tcPr marL="91440" marR="91440" anchor="ctr">
-                    <a:lnL w="4191">
-                      <a:solidFill>
-                        <a:srgbClr val="000000">
-                          <a:alpha val="100000"/>
-                        </a:srgbClr>
-                      </a:solidFill>
-                      <a:prstDash val="solid"/>
-                    </a:lnL>
-                    <a:lnR w="4191">
-                      <a:solidFill>
-                        <a:srgbClr val="000000">
-                          <a:alpha val="100000"/>
-                        </a:srgbClr>
-                      </a:solidFill>
-                      <a:prstDash val="solid"/>
-                    </a:lnR>
-                    <a:lnT w="4191">
-                      <a:solidFill>
-                        <a:srgbClr val="000000">
-                          <a:alpha val="100000"/>
-                        </a:srgbClr>
-                      </a:solidFill>
-                      <a:prstDash val="solid"/>
-                    </a:lnT>
-                    <a:lnB w="4191">
-                      <a:solidFill>
-                        <a:srgbClr val="000000">
-                          <a:alpha val="100000"/>
-                        </a:srgbClr>
-                      </a:solidFill>
-                      <a:prstDash val="solid"/>
-                    </a:lnB>
-                  </a:tcPr>
-                </a:tc>
-              </a:tr>
-              <a:tr h="559017">
-                <a:tc>
-                  <a:txBody>
-                    <a:bodyPr vert="horz" wrap="square" lIns="91440" tIns="45720" rIns="91440" bIns="45720" anchor="ctr" anchorCtr="0">
-                      <a:spAutoFit/>
-                    </a:bodyPr>
-                    <a:p>
-                      <a:pPr algn="ctr">
-                        <a:lnSpc>
-                          <a:spcPct val="160000"/>
-                        </a:lnSpc>
-                        <a:spcBef>
-                          <a:spcPts val="0"/>
-                        </a:spcBef>
-                        <a:spcAft>
-                          <a:spcPts val="0"/>
-                        </a:spcAft>
-                        <a:defRPr/>
-                      </a:pPr>
-                      <a:r>
-                        <a:rPr xmlns:mc="http://schemas.openxmlformats.org/markup-compatibility/2006" xmlns:hp="http://schemas.haansoft.com/office/presentation/8.0" lang="EN-US" sz="2000" b="0" i="0" u="none" strike="noStrike" mc:Ignorable="hp" hp:hslEmbossed="0">
-                          <a:solidFill>
-                            <a:srgbClr val="000000"/>
-                          </a:solidFill>
-                          <a:latin typeface="함초롬바탕"/>
-                          <a:ea typeface="함초롬바탕"/>
-                        </a:rPr>
-                        <a:t>Paste</a:t>
-                      </a:r>
-                      <a:endParaRPr xmlns:mc="http://schemas.openxmlformats.org/markup-compatibility/2006" xmlns:hp="http://schemas.haansoft.com/office/presentation/8.0" lang="EN-US" sz="2000" b="0" i="0" u="none" strike="noStrike" mc:Ignorable="hp" hp:hslEmbossed="0">
-                        <a:solidFill>
-                          <a:srgbClr val="000000"/>
-                        </a:solidFill>
-                        <a:latin typeface="함초롬바탕"/>
-                        <a:ea typeface="함초롬바탕"/>
-                      </a:endParaRPr>
-                    </a:p>
-                  </a:txBody>
-                  <a:tcPr marL="91440" marR="91440" anchor="ctr">
-                    <a:lnL w="4191">
-                      <a:solidFill>
-                        <a:srgbClr val="000000">
-                          <a:alpha val="100000"/>
-                        </a:srgbClr>
-                      </a:solidFill>
-                      <a:prstDash val="solid"/>
-                    </a:lnL>
-                    <a:lnR w="4191">
-                      <a:solidFill>
-                        <a:srgbClr val="000000">
-                          <a:alpha val="100000"/>
-                        </a:srgbClr>
-                      </a:solidFill>
-                      <a:prstDash val="solid"/>
-                    </a:lnR>
-                    <a:lnT w="4191">
-                      <a:solidFill>
-                        <a:srgbClr val="000000">
-                          <a:alpha val="100000"/>
-                        </a:srgbClr>
-                      </a:solidFill>
-                      <a:prstDash val="solid"/>
-                    </a:lnT>
-                    <a:lnB w="4191">
-                      <a:solidFill>
-                        <a:srgbClr val="000000">
-                          <a:alpha val="100000"/>
-                        </a:srgbClr>
-                      </a:solidFill>
-                      <a:prstDash val="solid"/>
-                    </a:lnB>
-                  </a:tcPr>
-                </a:tc>
-                <a:tc>
-                  <a:txBody>
-                    <a:bodyPr vert="horz" wrap="square" lIns="91440" tIns="45720" rIns="91440" bIns="45720" anchor="ctr" anchorCtr="0">
-                      <a:spAutoFit/>
-                    </a:bodyPr>
-                    <a:p>
-                      <a:pPr algn="just">
-                        <a:lnSpc>
-                          <a:spcPct val="160000"/>
-                        </a:lnSpc>
-                        <a:spcBef>
-                          <a:spcPts val="0"/>
-                        </a:spcBef>
-                        <a:spcAft>
-                          <a:spcPts val="0"/>
-                        </a:spcAft>
-                        <a:defRPr/>
-                      </a:pPr>
-                      <a:r>
-                        <a:rPr xmlns:mc="http://schemas.openxmlformats.org/markup-compatibility/2006" xmlns:hp="http://schemas.haansoft.com/office/presentation/8.0" sz="2000" b="0" i="0" u="none" strike="noStrike" mc:Ignorable="hp" hp:hslEmbossed="0">
-                          <a:solidFill>
-                            <a:srgbClr val="000000"/>
-                          </a:solidFill>
-                          <a:latin typeface="함초롬바탕"/>
-                          <a:ea typeface="함초롬바탕"/>
-                          <a:cs typeface="함초롬바탕"/>
-                        </a:rPr>
-                        <a:t>메뉴를 누르면 복사된 실행 코드를 불러올 수 있도록 함</a:t>
-                      </a:r>
-                      <a:r>
-                        <a:rPr xmlns:mc="http://schemas.openxmlformats.org/markup-compatibility/2006" xmlns:hp="http://schemas.haansoft.com/office/presentation/8.0" lang="EN-US" sz="2000" b="0" i="0" u="none" strike="noStrike" mc:Ignorable="hp" hp:hslEmbossed="0">
-                          <a:solidFill>
-                            <a:srgbClr val="000000"/>
-                          </a:solidFill>
-                          <a:latin typeface="함초롬바탕"/>
-                          <a:ea typeface="함초롬바탕"/>
-                        </a:rPr>
-                        <a:t>.</a:t>
-                      </a:r>
-                      <a:endParaRPr xmlns:mc="http://schemas.openxmlformats.org/markup-compatibility/2006" xmlns:hp="http://schemas.haansoft.com/office/presentation/8.0" lang="EN-US" sz="2000" b="0" i="0" u="none" strike="noStrike" mc:Ignorable="hp" hp:hslEmbossed="0">
-                        <a:solidFill>
-                          <a:srgbClr val="000000"/>
-                        </a:solidFill>
-                        <a:latin typeface="함초롬바탕"/>
-                        <a:ea typeface="함초롬바탕"/>
-                      </a:endParaRPr>
-                    </a:p>
-                  </a:txBody>
-                  <a:tcPr marL="91440" marR="91440" anchor="ctr">
-                    <a:lnL w="4191">
-                      <a:solidFill>
-                        <a:srgbClr val="000000">
-                          <a:alpha val="100000"/>
-                        </a:srgbClr>
-                      </a:solidFill>
-                      <a:prstDash val="solid"/>
-                    </a:lnL>
-                    <a:lnR w="4191">
-                      <a:solidFill>
-                        <a:srgbClr val="000000">
-                          <a:alpha val="100000"/>
-                        </a:srgbClr>
-                      </a:solidFill>
-                      <a:prstDash val="solid"/>
-                    </a:lnR>
-                    <a:lnT w="4191">
-                      <a:solidFill>
-                        <a:srgbClr val="000000">
-                          <a:alpha val="100000"/>
-                        </a:srgbClr>
-                      </a:solidFill>
-                      <a:prstDash val="solid"/>
-                    </a:lnT>
-                    <a:lnB w="4191">
-                      <a:solidFill>
-                        <a:srgbClr val="000000">
-                          <a:alpha val="100000"/>
-                        </a:srgbClr>
-                      </a:solidFill>
-                      <a:prstDash val="solid"/>
-                    </a:lnB>
-                  </a:tcPr>
-                </a:tc>
-              </a:tr>
-              <a:tr h="1029475">
-                <a:tc>
-                  <a:txBody>
-                    <a:bodyPr vert="horz" wrap="square" lIns="91440" tIns="45720" rIns="91440" bIns="45720" anchor="ctr" anchorCtr="0">
-                      <a:spAutoFit/>
-                    </a:bodyPr>
-                    <a:p>
-                      <a:pPr algn="ctr">
-                        <a:lnSpc>
-                          <a:spcPct val="160000"/>
-                        </a:lnSpc>
-                        <a:spcBef>
-                          <a:spcPts val="0"/>
-                        </a:spcBef>
-                        <a:spcAft>
-                          <a:spcPts val="0"/>
-                        </a:spcAft>
-                        <a:defRPr/>
-                      </a:pPr>
-                      <a:r>
-                        <a:rPr xmlns:mc="http://schemas.openxmlformats.org/markup-compatibility/2006" xmlns:hp="http://schemas.haansoft.com/office/presentation/8.0" lang="EN-US" sz="2000" b="0" i="0" u="none" strike="noStrike" mc:Ignorable="hp" hp:hslEmbossed="0">
-                          <a:solidFill>
-                            <a:srgbClr val="000000"/>
-                          </a:solidFill>
-                          <a:latin typeface="함초롬바탕"/>
-                          <a:ea typeface="함초롬바탕"/>
-                        </a:rPr>
-                        <a:t>Compile</a:t>
-                      </a:r>
-                      <a:endParaRPr xmlns:mc="http://schemas.openxmlformats.org/markup-compatibility/2006" xmlns:hp="http://schemas.haansoft.com/office/presentation/8.0" lang="EN-US" sz="2000" b="0" i="0" u="none" strike="noStrike" mc:Ignorable="hp" hp:hslEmbossed="0">
-                        <a:solidFill>
-                          <a:srgbClr val="000000"/>
-                        </a:solidFill>
-                        <a:latin typeface="함초롬바탕"/>
-                        <a:ea typeface="함초롬바탕"/>
-                      </a:endParaRPr>
-                    </a:p>
-                  </a:txBody>
-                  <a:tcPr marL="91440" marR="91440" anchor="ctr">
-                    <a:lnL w="4191">
-                      <a:solidFill>
-                        <a:srgbClr val="000000">
-                          <a:alpha val="100000"/>
-                        </a:srgbClr>
-                      </a:solidFill>
-                      <a:prstDash val="solid"/>
-                    </a:lnL>
-                    <a:lnR w="4191">
-                      <a:solidFill>
-                        <a:srgbClr val="000000">
-                          <a:alpha val="100000"/>
-                        </a:srgbClr>
-                      </a:solidFill>
-                      <a:prstDash val="solid"/>
-                    </a:lnR>
-                    <a:lnT w="4191">
-                      <a:solidFill>
-                        <a:srgbClr val="000000">
-                          <a:alpha val="100000"/>
-                        </a:srgbClr>
-                      </a:solidFill>
-                      <a:prstDash val="solid"/>
-                    </a:lnT>
-                    <a:lnB w="4191">
-                      <a:solidFill>
-                        <a:srgbClr val="000000">
-                          <a:alpha val="100000"/>
-                        </a:srgbClr>
-                      </a:solidFill>
-                      <a:prstDash val="solid"/>
-                    </a:lnB>
-                  </a:tcPr>
-                </a:tc>
-                <a:tc>
-                  <a:txBody>
-                    <a:bodyPr vert="horz" wrap="square" lIns="91440" tIns="45720" rIns="91440" bIns="45720" anchor="ctr" anchorCtr="0">
-                      <a:spAutoFit/>
-                    </a:bodyPr>
-                    <a:p>
-                      <a:pPr algn="just">
-                        <a:lnSpc>
-                          <a:spcPct val="160000"/>
-                        </a:lnSpc>
-                        <a:spcBef>
-                          <a:spcPts val="0"/>
-                        </a:spcBef>
-                        <a:spcAft>
-                          <a:spcPts val="0"/>
-                        </a:spcAft>
-                        <a:defRPr/>
-                      </a:pPr>
-                      <a:r>
-                        <a:rPr xmlns:mc="http://schemas.openxmlformats.org/markup-compatibility/2006" xmlns:hp="http://schemas.haansoft.com/office/presentation/8.0" sz="2000" b="0" i="0" u="none" strike="noStrike" mc:Ignorable="hp" hp:hslEmbossed="0">
-                          <a:solidFill>
-                            <a:srgbClr val="000000"/>
-                          </a:solidFill>
-                          <a:latin typeface="함초롬바탕"/>
-                          <a:ea typeface="함초롬바탕"/>
-                          <a:cs typeface="함초롬바탕"/>
-                        </a:rPr>
-                        <a:t>메뉴를 누르면 작성한 코드의 클래스명을 가져와 파일 이름으로 설정하고 컴파일 할 수 있도록 함</a:t>
-                      </a:r>
-                      <a:r>
-                        <a:rPr xmlns:mc="http://schemas.openxmlformats.org/markup-compatibility/2006" xmlns:hp="http://schemas.haansoft.com/office/presentation/8.0" lang="EN-US" sz="2000" b="0" i="0" u="none" strike="noStrike" mc:Ignorable="hp" hp:hslEmbossed="0">
-                          <a:solidFill>
-                            <a:srgbClr val="000000"/>
-                          </a:solidFill>
-                          <a:latin typeface="함초롬바탕"/>
-                          <a:ea typeface="함초롬바탕"/>
-                        </a:rPr>
-                        <a:t>.</a:t>
-                      </a:r>
-                      <a:endParaRPr xmlns:mc="http://schemas.openxmlformats.org/markup-compatibility/2006" xmlns:hp="http://schemas.haansoft.com/office/presentation/8.0" lang="EN-US" sz="2000" b="0" i="0" u="none" strike="noStrike" mc:Ignorable="hp" hp:hslEmbossed="0">
-                        <a:solidFill>
-                          <a:srgbClr val="000000"/>
-                        </a:solidFill>
-                        <a:latin typeface="함초롬바탕"/>
-                        <a:ea typeface="함초롬바탕"/>
-                      </a:endParaRPr>
-                    </a:p>
-                  </a:txBody>
-                  <a:tcPr marL="91440" marR="91440" anchor="ctr">
-                    <a:lnL w="4191">
-                      <a:solidFill>
-                        <a:srgbClr val="000000">
-                          <a:alpha val="100000"/>
-                        </a:srgbClr>
-                      </a:solidFill>
-                      <a:prstDash val="solid"/>
-                    </a:lnL>
-                    <a:lnR w="4191">
-                      <a:solidFill>
-                        <a:srgbClr val="000000">
-                          <a:alpha val="100000"/>
-                        </a:srgbClr>
-                      </a:solidFill>
-                      <a:prstDash val="solid"/>
-                    </a:lnR>
-                    <a:lnT w="4191">
-                      <a:solidFill>
-                        <a:srgbClr val="000000">
-                          <a:alpha val="100000"/>
-                        </a:srgbClr>
-                      </a:solidFill>
-                      <a:prstDash val="solid"/>
-                    </a:lnT>
-                    <a:lnB w="4191">
-                      <a:solidFill>
-                        <a:srgbClr val="000000">
-                          <a:alpha val="100000"/>
-                        </a:srgbClr>
-                      </a:solidFill>
-                      <a:prstDash val="solid"/>
-                    </a:lnB>
-                  </a:tcPr>
-                </a:tc>
-              </a:tr>
-              <a:tr h="559017">
-                <a:tc>
-                  <a:txBody>
-                    <a:bodyPr vert="horz" wrap="square" lIns="91440" tIns="45720" rIns="91440" bIns="45720" anchor="ctr" anchorCtr="0">
-                      <a:spAutoFit/>
-                    </a:bodyPr>
-                    <a:p>
-                      <a:pPr algn="ctr">
-                        <a:lnSpc>
-                          <a:spcPct val="160000"/>
-                        </a:lnSpc>
-                        <a:spcBef>
-                          <a:spcPts val="0"/>
-                        </a:spcBef>
-                        <a:spcAft>
-                          <a:spcPts val="0"/>
-                        </a:spcAft>
-                        <a:defRPr/>
-                      </a:pPr>
-                      <a:r>
-                        <a:rPr xmlns:mc="http://schemas.openxmlformats.org/markup-compatibility/2006" xmlns:hp="http://schemas.haansoft.com/office/presentation/8.0" lang="EN-US" sz="2000" b="0" i="0" u="none" strike="noStrike" mc:Ignorable="hp" hp:hslEmbossed="0">
-                          <a:solidFill>
-                            <a:srgbClr val="000000"/>
-                          </a:solidFill>
-                          <a:latin typeface="함초롬바탕"/>
-                          <a:ea typeface="함초롬바탕"/>
-                        </a:rPr>
-                        <a:t>Run</a:t>
-                      </a:r>
-                      <a:endParaRPr xmlns:mc="http://schemas.openxmlformats.org/markup-compatibility/2006" xmlns:hp="http://schemas.haansoft.com/office/presentation/8.0" lang="EN-US" sz="2000" b="0" i="0" u="none" strike="noStrike" mc:Ignorable="hp" hp:hslEmbossed="0">
-                        <a:solidFill>
-                          <a:srgbClr val="000000"/>
-                        </a:solidFill>
-                        <a:latin typeface="함초롬바탕"/>
-                        <a:ea typeface="함초롬바탕"/>
-                      </a:endParaRPr>
-                    </a:p>
-                  </a:txBody>
-                  <a:tcPr marL="91440" marR="91440" anchor="ctr">
-                    <a:lnL w="4191">
-                      <a:solidFill>
-                        <a:srgbClr val="000000">
-                          <a:alpha val="100000"/>
-                        </a:srgbClr>
-                      </a:solidFill>
-                      <a:prstDash val="solid"/>
-                    </a:lnL>
-                    <a:lnR w="4191">
-                      <a:solidFill>
-                        <a:srgbClr val="000000">
-                          <a:alpha val="100000"/>
-                        </a:srgbClr>
-                      </a:solidFill>
-                      <a:prstDash val="solid"/>
-                    </a:lnR>
-                    <a:lnT w="4191">
-                      <a:solidFill>
-                        <a:srgbClr val="000000">
-                          <a:alpha val="100000"/>
-                        </a:srgbClr>
-                      </a:solidFill>
-                      <a:prstDash val="solid"/>
-                    </a:lnT>
-                    <a:lnB w="4191">
-                      <a:solidFill>
-                        <a:srgbClr val="000000">
-                          <a:alpha val="100000"/>
-                        </a:srgbClr>
-                      </a:solidFill>
-                      <a:prstDash val="solid"/>
-                    </a:lnB>
-                  </a:tcPr>
-                </a:tc>
-                <a:tc>
-                  <a:txBody>
-                    <a:bodyPr vert="horz" wrap="square" lIns="91440" tIns="45720" rIns="91440" bIns="45720" anchor="ctr" anchorCtr="0">
-                      <a:spAutoFit/>
-                    </a:bodyPr>
-                    <a:p>
-                      <a:pPr algn="just">
-                        <a:lnSpc>
-                          <a:spcPct val="160000"/>
-                        </a:lnSpc>
-                        <a:spcBef>
-                          <a:spcPts val="0"/>
-                        </a:spcBef>
-                        <a:spcAft>
-                          <a:spcPts val="0"/>
-                        </a:spcAft>
-                        <a:defRPr/>
-                      </a:pPr>
-                      <a:r>
-                        <a:rPr xmlns:mc="http://schemas.openxmlformats.org/markup-compatibility/2006" xmlns:hp="http://schemas.haansoft.com/office/presentation/8.0" sz="2000" b="0" i="0" u="none" strike="noStrike" mc:Ignorable="hp" hp:hslEmbossed="0">
-                          <a:solidFill>
-                            <a:srgbClr val="000000"/>
-                          </a:solidFill>
-                          <a:latin typeface="함초롬바탕"/>
-                          <a:ea typeface="함초롬바탕"/>
-                          <a:cs typeface="함초롬바탕"/>
-                        </a:rPr>
-                        <a:t>메뉴를 누르면 컴파일 된 파일을 실행하도록 함</a:t>
-                      </a:r>
-                      <a:r>
-                        <a:rPr xmlns:mc="http://schemas.openxmlformats.org/markup-compatibility/2006" xmlns:hp="http://schemas.haansoft.com/office/presentation/8.0" lang="EN-US" sz="2000" b="0" i="0" u="none" strike="noStrike" mc:Ignorable="hp" hp:hslEmbossed="0">
-                          <a:solidFill>
-                            <a:srgbClr val="000000"/>
-                          </a:solidFill>
-                          <a:latin typeface="함초롬바탕"/>
-                          <a:ea typeface="함초롬바탕"/>
-                        </a:rPr>
-                        <a:t>.</a:t>
-                      </a:r>
-                      <a:endParaRPr xmlns:mc="http://schemas.openxmlformats.org/markup-compatibility/2006" xmlns:hp="http://schemas.haansoft.com/office/presentation/8.0" lang="EN-US" sz="2000" b="0" i="0" u="none" strike="noStrike" mc:Ignorable="hp" hp:hslEmbossed="0">
-                        <a:solidFill>
-                          <a:srgbClr val="000000"/>
-                        </a:solidFill>
-                        <a:latin typeface="함초롬바탕"/>
-                        <a:ea typeface="함초롬바탕"/>
-                      </a:endParaRPr>
-                    </a:p>
-                  </a:txBody>
-                  <a:tcPr marL="91440" marR="91440" anchor="ctr">
-                    <a:lnL w="4191">
-                      <a:solidFill>
-                        <a:srgbClr val="000000">
-                          <a:alpha val="100000"/>
-                        </a:srgbClr>
-                      </a:solidFill>
-                      <a:prstDash val="solid"/>
-                    </a:lnL>
-                    <a:lnR w="4191">
-                      <a:solidFill>
-                        <a:srgbClr val="000000">
-                          <a:alpha val="100000"/>
-                        </a:srgbClr>
-                      </a:solidFill>
-                      <a:prstDash val="solid"/>
-                    </a:lnR>
-                    <a:lnT w="4191">
-                      <a:solidFill>
-                        <a:srgbClr val="000000">
-                          <a:alpha val="100000"/>
-                        </a:srgbClr>
-                      </a:solidFill>
-                      <a:prstDash val="solid"/>
-                    </a:lnT>
-                    <a:lnB w="4191">
-                      <a:solidFill>
-                        <a:srgbClr val="000000">
-                          <a:alpha val="100000"/>
-                        </a:srgbClr>
-                      </a:solidFill>
-                      <a:prstDash val="solid"/>
-                    </a:lnB>
-                  </a:tcPr>
-                </a:tc>
-              </a:tr>
-              <a:tr h="559017">
-                <a:tc>
-                  <a:txBody>
-                    <a:bodyPr vert="horz" wrap="square" lIns="91440" tIns="45720" rIns="91440" bIns="45720" anchor="ctr" anchorCtr="0">
-                      <a:spAutoFit/>
-                    </a:bodyPr>
-                    <a:p>
-                      <a:pPr algn="ctr">
-                        <a:lnSpc>
-                          <a:spcPct val="160000"/>
-                        </a:lnSpc>
-                        <a:spcBef>
-                          <a:spcPts val="0"/>
-                        </a:spcBef>
-                        <a:spcAft>
-                          <a:spcPts val="0"/>
-                        </a:spcAft>
-                        <a:defRPr/>
-                      </a:pPr>
-                      <a:r>
-                        <a:rPr xmlns:mc="http://schemas.openxmlformats.org/markup-compatibility/2006" xmlns:hp="http://schemas.haansoft.com/office/presentation/8.0" lang="EN-US" sz="2000" b="0" i="0" u="none" strike="noStrike" mc:Ignorable="hp" hp:hslEmbossed="0">
-                          <a:solidFill>
-                            <a:srgbClr val="000000"/>
-                          </a:solidFill>
-                          <a:latin typeface="함초롬바탕"/>
-                          <a:ea typeface="함초롬바탕"/>
-                        </a:rPr>
-                        <a:t>Source code</a:t>
-                      </a:r>
-                      <a:endParaRPr xmlns:mc="http://schemas.openxmlformats.org/markup-compatibility/2006" xmlns:hp="http://schemas.haansoft.com/office/presentation/8.0" lang="EN-US" sz="2000" b="0" i="0" u="none" strike="noStrike" mc:Ignorable="hp" hp:hslEmbossed="0">
-                        <a:solidFill>
-                          <a:srgbClr val="000000"/>
-                        </a:solidFill>
-                        <a:latin typeface="함초롬바탕"/>
-                        <a:ea typeface="함초롬바탕"/>
-                      </a:endParaRPr>
-                    </a:p>
-                  </a:txBody>
-                  <a:tcPr marL="91440" marR="91440" anchor="ctr">
-                    <a:lnL w="4191">
-                      <a:solidFill>
-                        <a:srgbClr val="000000">
-                          <a:alpha val="100000"/>
-                        </a:srgbClr>
-                      </a:solidFill>
-                      <a:prstDash val="solid"/>
-                    </a:lnL>
-                    <a:lnR w="4191">
-                      <a:solidFill>
-                        <a:srgbClr val="000000">
-                          <a:alpha val="100000"/>
-                        </a:srgbClr>
-                      </a:solidFill>
-                      <a:prstDash val="solid"/>
-                    </a:lnR>
-                    <a:lnT w="4191">
-                      <a:solidFill>
-                        <a:srgbClr val="000000">
-                          <a:alpha val="100000"/>
-                        </a:srgbClr>
-                      </a:solidFill>
-                      <a:prstDash val="solid"/>
-                    </a:lnT>
-                    <a:lnB w="4191">
-                      <a:solidFill>
-                        <a:srgbClr val="000000">
-                          <a:alpha val="100000"/>
-                        </a:srgbClr>
-                      </a:solidFill>
-                      <a:prstDash val="solid"/>
-                    </a:lnB>
-                  </a:tcPr>
-                </a:tc>
-                <a:tc>
-                  <a:txBody>
-                    <a:bodyPr vert="horz" wrap="square" lIns="91440" tIns="45720" rIns="91440" bIns="45720" anchor="ctr" anchorCtr="0">
-                      <a:spAutoFit/>
-                    </a:bodyPr>
-                    <a:p>
-                      <a:pPr algn="just">
-                        <a:lnSpc>
-                          <a:spcPct val="160000"/>
-                        </a:lnSpc>
-                        <a:spcBef>
-                          <a:spcPts val="0"/>
-                        </a:spcBef>
-                        <a:spcAft>
-                          <a:spcPts val="0"/>
-                        </a:spcAft>
-                        <a:defRPr/>
-                      </a:pPr>
-                      <a:r>
-                        <a:rPr xmlns:mc="http://schemas.openxmlformats.org/markup-compatibility/2006" xmlns:hp="http://schemas.haansoft.com/office/presentation/8.0" sz="2000" b="0" i="0" u="none" strike="noStrike" mc:Ignorable="hp" hp:hslEmbossed="0">
-                          <a:solidFill>
-                            <a:srgbClr val="000000"/>
-                          </a:solidFill>
-                          <a:latin typeface="함초롬바탕"/>
-                          <a:ea typeface="함초롬바탕"/>
-                          <a:cs typeface="함초롬바탕"/>
-                        </a:rPr>
-                        <a:t>프로그램의 소스 코드를 볼 수 있도록 함</a:t>
-                      </a:r>
-                      <a:r>
-                        <a:rPr xmlns:mc="http://schemas.openxmlformats.org/markup-compatibility/2006" xmlns:hp="http://schemas.haansoft.com/office/presentation/8.0" lang="EN-US" sz="2000" b="0" i="0" u="none" strike="noStrike" mc:Ignorable="hp" hp:hslEmbossed="0">
-                          <a:solidFill>
-                            <a:srgbClr val="000000"/>
-                          </a:solidFill>
-                          <a:latin typeface="함초롬바탕"/>
-                          <a:ea typeface="함초롬바탕"/>
-                        </a:rPr>
-                        <a:t>.</a:t>
-                      </a:r>
-                      <a:endParaRPr xmlns:mc="http://schemas.openxmlformats.org/markup-compatibility/2006" xmlns:hp="http://schemas.haansoft.com/office/presentation/8.0" lang="EN-US" sz="2000" b="0" i="0" u="none" strike="noStrike" mc:Ignorable="hp" hp:hslEmbossed="0">
-                        <a:solidFill>
-                          <a:srgbClr val="000000"/>
-                        </a:solidFill>
-                        <a:latin typeface="함초롬바탕"/>
-                        <a:ea typeface="함초롬바탕"/>
-                      </a:endParaRPr>
-                    </a:p>
-                  </a:txBody>
-                  <a:tcPr marL="91440" marR="91440" anchor="ctr">
-                    <a:lnL w="4191">
-                      <a:solidFill>
-                        <a:srgbClr val="000000">
-                          <a:alpha val="100000"/>
-                        </a:srgbClr>
-                      </a:solidFill>
-                      <a:prstDash val="solid"/>
-                    </a:lnL>
-                    <a:lnR w="4191">
-                      <a:solidFill>
-                        <a:srgbClr val="000000">
-                          <a:alpha val="100000"/>
-                        </a:srgbClr>
-                      </a:solidFill>
-                      <a:prstDash val="solid"/>
-                    </a:lnR>
-                    <a:lnT w="4191">
-                      <a:solidFill>
-                        <a:srgbClr val="000000">
-                          <a:alpha val="100000"/>
-                        </a:srgbClr>
-                      </a:solidFill>
-                      <a:prstDash val="solid"/>
-                    </a:lnT>
-                    <a:lnB w="4191">
-                      <a:solidFill>
-                        <a:srgbClr val="000000">
-                          <a:alpha val="100000"/>
-                        </a:srgbClr>
-                      </a:solidFill>
-                      <a:prstDash val="solid"/>
-                    </a:lnB>
-                  </a:tcPr>
-                </a:tc>
-              </a:tr>
-            </a:tbl>
-          </a:graphicData>
-        </a:graphic>
-      </p:graphicFrame>
+      <p:sp>
+        <p:nvSpPr>
+          <p:cNvPr id="2" name="제목 1"/>
+          <p:cNvSpPr>
+            <a:spLocks noGrp="1"/>
+          </p:cNvSpPr>
+          <p:nvPr>
+            <p:ph type="title" idx="0"/>
+          </p:nvPr>
+        </p:nvSpPr>
+        <p:spPr/>
+        <p:txBody>
+          <a:bodyPr/>
+          <a:lstStyle/>
+          <a:p>
+            <a:pPr>
+              <a:defRPr/>
+            </a:pPr>
+            <a:r>
+              <a:rPr lang="ko-KR" altLang="en-US"/>
+              <a:t>프로젝트 기능</a:t>
+            </a:r>
+            <a:endParaRPr lang="ko-KR" altLang="en-US"/>
+          </a:p>
+        </p:txBody>
+      </p:sp>
+      <p:sp>
+        <p:nvSpPr>
+          <p:cNvPr id="3" name="내용 개체 틀 2"/>
+          <p:cNvSpPr>
+            <a:spLocks noGrp="1"/>
+          </p:cNvSpPr>
+          <p:nvPr>
+            <p:ph idx="1"/>
+          </p:nvPr>
+        </p:nvSpPr>
+        <p:spPr>
+          <a:xfrm>
+            <a:off x="433211" y="2136157"/>
+            <a:ext cx="11325577" cy="2585686"/>
+          </a:xfrm>
+        </p:spPr>
+        <p:txBody>
+          <a:bodyPr/>
+          <a:lstStyle/>
+          <a:p>
+            <a:pPr marL="0" indent="0">
+              <a:buNone/>
+              <a:defRPr/>
+            </a:pPr>
+            <a:r>
+              <a:rPr lang="en-US" altLang="ko-KR">
+                <a:latin typeface="Wingdings"/>
+                <a:ea typeface="Wingdings"/>
+                <a:cs typeface="Wingdings"/>
+                <a:sym typeface="Wingdings"/>
+              </a:rPr>
+              <a:t></a:t>
+            </a:r>
+            <a:r>
+              <a:rPr lang="en-US" altLang="ko-KR"/>
+              <a:t>GUI</a:t>
+            </a:r>
+            <a:r>
+              <a:rPr lang="ko-KR" altLang="en-US"/>
+              <a:t> 와 이벤트로 처리하여 새로 만들기</a:t>
+            </a:r>
+            <a:r>
+              <a:rPr lang="en-US" altLang="ko-KR"/>
+              <a:t>,</a:t>
+            </a:r>
+            <a:r>
+              <a:rPr lang="ko-KR" altLang="en-US"/>
+              <a:t> 저장하기</a:t>
+            </a:r>
+            <a:r>
+              <a:rPr lang="en-US" altLang="ko-KR"/>
+              <a:t>,</a:t>
+            </a:r>
+            <a:r>
+              <a:rPr lang="ko-KR" altLang="en-US"/>
+              <a:t> 읽어오기</a:t>
+            </a:r>
+            <a:r>
+              <a:rPr lang="en-US" altLang="ko-KR"/>
+              <a:t>,</a:t>
+            </a:r>
+            <a:r>
+              <a:rPr lang="ko-KR" altLang="en-US"/>
+              <a:t> 나가기</a:t>
+            </a:r>
+            <a:r>
+              <a:rPr lang="en-US" altLang="ko-KR"/>
+              <a:t>,</a:t>
+            </a:r>
+            <a:r>
+              <a:rPr lang="ko-KR" altLang="en-US"/>
+              <a:t> 복사하기</a:t>
+            </a:r>
+            <a:r>
+              <a:rPr lang="en-US" altLang="ko-KR"/>
+              <a:t>,</a:t>
+            </a:r>
+            <a:r>
+              <a:rPr lang="ko-KR" altLang="en-US"/>
+              <a:t> 자르기</a:t>
+            </a:r>
+            <a:r>
+              <a:rPr lang="en-US" altLang="ko-KR"/>
+              <a:t>,</a:t>
+            </a:r>
+            <a:r>
+              <a:rPr lang="ko-KR" altLang="en-US"/>
+              <a:t> 붙여넣기 등의 편집기능을 사용할 수 있고</a:t>
+            </a:r>
+            <a:r>
+              <a:rPr lang="en-US" altLang="ko-KR"/>
+              <a:t>,</a:t>
+            </a:r>
+            <a:r>
+              <a:rPr lang="ko-KR" altLang="en-US"/>
+              <a:t> 또한 코드를 컴파일 </a:t>
+            </a:r>
+            <a:r>
+              <a:rPr lang="en-US" altLang="ko-KR"/>
+              <a:t>,</a:t>
+            </a:r>
+            <a:r>
+              <a:rPr lang="ko-KR" altLang="en-US"/>
+              <a:t> 실행 기능도 넣어 하나의 자바 통합 개발 환경 기능을 한다</a:t>
+            </a:r>
+            <a:r>
+              <a:rPr lang="en-US" altLang="ko-KR"/>
+              <a:t>.</a:t>
+            </a:r>
+            <a:endParaRPr lang="en-US" altLang="ko-KR"/>
+          </a:p>
+        </p:txBody>
+      </p:sp>
     </p:spTree>
   </p:cSld>
   <p:clrMapOvr>
@@ -8337,7 +6485,7 @@
             </a:pPr>
             <a:r>
               <a:rPr lang="ko-KR" altLang="en-US"/>
-              <a:t>프로젝트 기능</a:t>
+              <a:t>시스템 설계</a:t>
             </a:r>
             <a:endParaRPr lang="ko-KR" altLang="en-US"/>
           </a:p>
@@ -8355,104 +6503,82 @@
         </p:nvSpPr>
         <p:spPr>
           <a:xfrm>
-            <a:off x="433211" y="2136157"/>
-            <a:ext cx="11325577" cy="2585686"/>
+            <a:off x="609601" y="1950949"/>
+            <a:ext cx="10972798" cy="2956101"/>
           </a:xfrm>
         </p:spPr>
         <p:txBody>
           <a:bodyPr/>
           <a:lstStyle/>
           <a:p>
+            <a:pPr>
+              <a:defRPr/>
+            </a:pPr>
+            <a:r>
+              <a:rPr lang="ko-KR" altLang="en-US"/>
+              <a:t>입력창</a:t>
+            </a:r>
+            <a:r>
+              <a:rPr lang="en-US" altLang="ko-KR"/>
+              <a:t>,</a:t>
+            </a:r>
+            <a:r>
+              <a:rPr lang="ko-KR" altLang="en-US"/>
+              <a:t> 콘솔창 </a:t>
+            </a:r>
+            <a:r>
+              <a:rPr lang="en-US" altLang="ko-KR"/>
+              <a:t>:</a:t>
+            </a:r>
+            <a:r>
+              <a:rPr lang="ko-KR" altLang="en-US"/>
+              <a:t> </a:t>
+            </a:r>
+            <a:r>
+              <a:rPr lang="en-US" altLang="ko-KR"/>
+              <a:t>scrollPanel - tf1 / scrollPane - tf2</a:t>
+            </a:r>
+            <a:endParaRPr lang="en-US" altLang="ko-KR"/>
+          </a:p>
+          <a:p>
             <a:pPr marL="0" indent="0">
               <a:buNone/>
               <a:defRPr/>
             </a:pPr>
             <a:r>
-              <a:rPr lang="en-US" altLang="ko-KR">
-                <a:latin typeface="Wingdings"/>
-                <a:ea typeface="Wingdings"/>
-                <a:cs typeface="Wingdings"/>
-                <a:sym typeface="Wingdings"/>
-              </a:rPr>
-              <a:t></a:t>
-            </a:r>
-            <a:r>
-              <a:rPr lang="en-US" altLang="ko-KR"/>
-              <a:t>GUI</a:t>
-            </a:r>
-            <a:r>
-              <a:rPr lang="ko-KR" altLang="en-US"/>
-              <a:t> 와 이벤트로 처리하여 새로 만들기</a:t>
-            </a:r>
-            <a:r>
-              <a:rPr lang="en-US" altLang="ko-KR"/>
-              <a:t>,</a:t>
-            </a:r>
-            <a:r>
-              <a:rPr lang="ko-KR" altLang="en-US"/>
-              <a:t> 저장하기</a:t>
-            </a:r>
-            <a:r>
-              <a:rPr lang="en-US" altLang="ko-KR"/>
-              <a:t>,</a:t>
-            </a:r>
-            <a:r>
-              <a:rPr lang="ko-KR" altLang="en-US"/>
-              <a:t> 읽어오기</a:t>
-            </a:r>
-            <a:r>
-              <a:rPr lang="en-US" altLang="ko-KR"/>
-              <a:t>,</a:t>
-            </a:r>
-            <a:r>
-              <a:rPr lang="ko-KR" altLang="en-US"/>
-              <a:t> 나가기</a:t>
-            </a:r>
-            <a:r>
-              <a:rPr lang="en-US" altLang="ko-KR"/>
-              <a:t>,</a:t>
-            </a:r>
-            <a:r>
-              <a:rPr lang="ko-KR" altLang="en-US"/>
-              <a:t> 복사하기</a:t>
-            </a:r>
-            <a:r>
-              <a:rPr lang="en-US" altLang="ko-KR"/>
-              <a:t>,</a:t>
-            </a:r>
-            <a:r>
-              <a:rPr lang="ko-KR" altLang="en-US"/>
-              <a:t> 자르기</a:t>
-            </a:r>
-            <a:r>
-              <a:rPr lang="en-US" altLang="ko-KR"/>
-              <a:t>,</a:t>
-            </a:r>
-            <a:r>
-              <a:rPr lang="ko-KR" altLang="en-US"/>
-              <a:t> 붙여넣기 등의 편집기능을 사용할 수 있고</a:t>
-            </a:r>
-            <a:r>
-              <a:rPr lang="en-US" altLang="ko-KR"/>
-              <a:t>,</a:t>
-            </a:r>
-            <a:r>
-              <a:rPr lang="ko-KR" altLang="en-US"/>
-              <a:t> 또한 코드를 컴파일 </a:t>
-            </a:r>
-            <a:r>
-              <a:rPr lang="en-US" altLang="ko-KR"/>
-              <a:t>,</a:t>
-            </a:r>
-            <a:r>
-              <a:rPr lang="ko-KR" altLang="en-US"/>
-              <a:t> 실행 기능도 넣어 하나의 자바 통합 개발 환경 기능을 한다</a:t>
-            </a:r>
-            <a:r>
-              <a:rPr lang="en-US" altLang="ko-KR"/>
-              <a:t>.</a:t>
-            </a:r>
-            <a:endParaRPr lang="en-US" altLang="ko-KR"/>
+              <a:rPr lang="en-US" altLang="ko-KR"/>
+              <a:t>                                    JScrollPane - JTextArea</a:t>
+            </a:r>
+            <a:r>
+              <a:rPr lang="ko-KR" altLang="en-US"/>
+              <a:t>으로 설계</a:t>
+            </a:r>
+            <a:endParaRPr lang="ko-KR" altLang="en-US"/>
+          </a:p>
+          <a:p>
+            <a:pPr marL="0" indent="0">
+              <a:buNone/>
+              <a:defRPr/>
+            </a:pPr>
+            <a:endParaRPr lang="ko-KR" altLang="en-US"/>
+          </a:p>
+          <a:p>
+            <a:pPr>
+              <a:defRPr/>
+            </a:pPr>
+            <a:r>
+              <a:rPr lang="ko-KR" altLang="en-US"/>
+              <a:t>각 아이템 </a:t>
+            </a:r>
+            <a:r>
+              <a:rPr lang="en-US" altLang="ko-KR"/>
+              <a:t>ActionListener</a:t>
+            </a:r>
+            <a:r>
+              <a:rPr lang="ko-KR" altLang="en-US"/>
+              <a:t> 설계</a:t>
+            </a:r>
+            <a:endParaRPr lang="ko-KR" altLang="en-US"/>
           </a:p>
         </p:txBody>
       </p:sp>
@@ -8525,12 +6651,7 @@
             <p:ph idx="1"/>
           </p:nvPr>
         </p:nvSpPr>
-        <p:spPr>
-          <a:xfrm>
-            <a:off x="609601" y="1950949"/>
-            <a:ext cx="10972798" cy="2956101"/>
-          </a:xfrm>
-        </p:spPr>
+        <p:spPr/>
         <p:txBody>
           <a:bodyPr/>
           <a:lstStyle/>
@@ -8540,42 +6661,52 @@
             </a:pPr>
             <a:r>
               <a:rPr lang="ko-KR" altLang="en-US"/>
-              <a:t>입력창</a:t>
-            </a:r>
-            <a:r>
-              <a:rPr lang="en-US" altLang="ko-KR"/>
-              <a:t>,</a:t>
-            </a:r>
-            <a:r>
-              <a:rPr lang="ko-KR" altLang="en-US"/>
-              <a:t> 콘솔창 </a:t>
-            </a:r>
-            <a:r>
-              <a:rPr lang="en-US" altLang="ko-KR"/>
-              <a:t>:</a:t>
-            </a:r>
-            <a:r>
-              <a:rPr lang="ko-KR" altLang="en-US"/>
-              <a:t> </a:t>
-            </a:r>
-            <a:r>
-              <a:rPr lang="en-US" altLang="ko-KR"/>
-              <a:t>scrollPanel - tf1 / scrollPane - tf2</a:t>
-            </a:r>
-            <a:endParaRPr lang="en-US" altLang="ko-KR"/>
+              <a:t>문제 해결</a:t>
+            </a:r>
+            <a:endParaRPr lang="ko-KR" altLang="en-US"/>
+          </a:p>
+          <a:p>
+            <a:pPr>
+              <a:defRPr/>
+            </a:pPr>
+            <a:endParaRPr lang="ko-KR" altLang="en-US"/>
+          </a:p>
+          <a:p>
+            <a:pPr>
+              <a:defRPr/>
+            </a:pPr>
+            <a:r>
+              <a:rPr lang="en-US" altLang="ko-KR"/>
+              <a:t>New - tf1, tf2, setText(””)</a:t>
+            </a:r>
+            <a:r>
+              <a:rPr lang="ko-KR" altLang="en-US"/>
+              <a:t> 비우기</a:t>
+            </a:r>
+            <a:endParaRPr lang="ko-KR" altLang="en-US"/>
           </a:p>
           <a:p>
             <a:pPr marL="0" indent="0">
               <a:buNone/>
               <a:defRPr/>
             </a:pPr>
-            <a:r>
-              <a:rPr lang="en-US" altLang="ko-KR"/>
-              <a:t>                                    JScrollPane - JTextArea</a:t>
-            </a:r>
-            <a:r>
-              <a:rPr lang="ko-KR" altLang="en-US"/>
-              <a:t>으로 설계</a:t>
+            <a:endParaRPr lang="ko-KR" altLang="en-US"/>
+          </a:p>
+          <a:p>
+            <a:pPr>
+              <a:defRPr/>
+            </a:pPr>
+            <a:r>
+              <a:rPr lang="en-US" altLang="ko-KR"/>
+              <a:t>Open - JChooser -&gt; getSelectedFile() -&gt; </a:t>
+            </a:r>
+            <a:r>
+              <a:rPr lang="ko-KR" altLang="en-US"/>
+              <a:t>버퍼메모리 할당 </a:t>
+            </a:r>
+            <a:r>
+              <a:rPr lang="en-US" altLang="ko-KR"/>
+              <a:t>-&gt;</a:t>
             </a:r>
             <a:endParaRPr lang="ko-KR" altLang="en-US"/>
           </a:p>
@@ -8584,24 +6715,52 @@
               <a:buNone/>
               <a:defRPr/>
             </a:pPr>
+            <a:r>
+              <a:rPr lang="ko-KR" altLang="en-US"/>
+              <a:t>                </a:t>
+            </a:r>
+            <a:r>
+              <a:rPr lang="en-US" altLang="ko-KR"/>
+              <a:t>\n </a:t>
+            </a:r>
+            <a:r>
+              <a:rPr lang="ko-KR" altLang="en-US"/>
+              <a:t>구분 라인 읽기 </a:t>
+            </a:r>
+            <a:r>
+              <a:rPr lang="en-US" altLang="ko-KR"/>
+              <a:t>-&gt;</a:t>
+            </a:r>
+            <a:r>
+              <a:rPr lang="ko-KR" altLang="en-US"/>
+              <a:t> </a:t>
+            </a:r>
+            <a:r>
+              <a:rPr lang="en-US" altLang="ko-KR"/>
+              <a:t>tf1</a:t>
+            </a:r>
+            <a:r>
+              <a:rPr lang="ko-KR" altLang="en-US"/>
+              <a:t> 추가</a:t>
+            </a:r>
             <a:endParaRPr lang="ko-KR" altLang="en-US"/>
           </a:p>
           <a:p>
             <a:pPr>
               <a:defRPr/>
             </a:pPr>
-            <a:r>
-              <a:rPr lang="ko-KR" altLang="en-US"/>
-              <a:t>각 아이템 </a:t>
-            </a:r>
-            <a:r>
-              <a:rPr lang="en-US" altLang="ko-KR"/>
-              <a:t>ActionListener</a:t>
-            </a:r>
-            <a:r>
-              <a:rPr lang="ko-KR" altLang="en-US"/>
-              <a:t> 설계</a:t>
-            </a:r>
+            <a:endParaRPr lang="ko-KR" altLang="en-US"/>
+          </a:p>
+          <a:p>
+            <a:pPr>
+              <a:defRPr/>
+            </a:pPr>
+            <a:endParaRPr lang="ko-KR" altLang="en-US"/>
+          </a:p>
+          <a:p>
+            <a:pPr>
+              <a:defRPr/>
+            </a:pPr>
             <a:endParaRPr lang="ko-KR" altLang="en-US"/>
           </a:p>
         </p:txBody>
@@ -8684,8 +6843,20 @@
               <a:defRPr/>
             </a:pPr>
             <a:r>
-              <a:rPr lang="ko-KR" altLang="en-US"/>
-              <a:t>문제 해결</a:t>
+              <a:rPr lang="en-US" altLang="ko-KR"/>
+              <a:t>Save - FileWriter -&gt; JChooser </a:t>
+            </a:r>
+            <a:r>
+              <a:rPr lang="ko-KR" altLang="en-US"/>
+              <a:t>저장 경로 할당 </a:t>
+            </a:r>
+            <a:r>
+              <a:rPr lang="en-US" altLang="ko-KR"/>
+              <a:t>-&gt;</a:t>
+            </a:r>
+            <a:r>
+              <a:rPr lang="ko-KR" altLang="en-US"/>
+              <a:t> 저장</a:t>
             </a:r>
             <a:endParaRPr lang="ko-KR" altLang="en-US"/>
           </a:p>
@@ -8701,90 +6872,44 @@
             </a:pPr>
             <a:r>
               <a:rPr lang="en-US" altLang="ko-KR"/>
-              <a:t>New - tf1, tf2, setText(””)</a:t>
-            </a:r>
-            <a:r>
-              <a:rPr lang="ko-KR" altLang="en-US"/>
-              <a:t> 비우기</a:t>
-            </a:r>
-            <a:endParaRPr lang="ko-KR" altLang="en-US"/>
-          </a:p>
-          <a:p>
-            <a:pPr marL="0" indent="0">
-              <a:buNone/>
-              <a:defRPr/>
-            </a:pPr>
-            <a:endParaRPr lang="ko-KR" altLang="en-US"/>
+              <a:t>Credit - JOptionPane -&gt; showMessageDialong</a:t>
+            </a:r>
+            <a:endParaRPr lang="en-US" altLang="ko-KR"/>
           </a:p>
           <a:p>
             <a:pPr>
               <a:defRPr/>
             </a:pPr>
-            <a:r>
-              <a:rPr lang="en-US" altLang="ko-KR"/>
-              <a:t>Open - JChooser -&gt; getSelectedFile() -&gt; </a:t>
-            </a:r>
-            <a:r>
-              <a:rPr lang="ko-KR" altLang="en-US"/>
-              <a:t>버퍼메모리 할당 </a:t>
-            </a:r>
-            <a:r>
-              <a:rPr lang="en-US" altLang="ko-KR"/>
-              <a:t>-&gt;</a:t>
-            </a:r>
-            <a:endParaRPr lang="ko-KR" altLang="en-US"/>
-          </a:p>
-          <a:p>
-            <a:pPr marL="0" indent="0">
-              <a:buNone/>
-              <a:defRPr/>
-            </a:pPr>
-            <a:r>
-              <a:rPr lang="ko-KR" altLang="en-US"/>
-              <a:t>                </a:t>
-            </a:r>
-            <a:r>
-              <a:rPr lang="en-US" altLang="ko-KR"/>
-              <a:t>\n </a:t>
-            </a:r>
-            <a:r>
-              <a:rPr lang="ko-KR" altLang="en-US"/>
-              <a:t>구분 라인 읽기 </a:t>
-            </a:r>
-            <a:r>
-              <a:rPr lang="en-US" altLang="ko-KR"/>
-              <a:t>-&gt;</a:t>
-            </a:r>
-            <a:r>
-              <a:rPr lang="ko-KR" altLang="en-US"/>
-              <a:t> </a:t>
-            </a:r>
-            <a:r>
-              <a:rPr lang="en-US" altLang="ko-KR"/>
-              <a:t>tf1</a:t>
-            </a:r>
-            <a:r>
-              <a:rPr lang="ko-KR" altLang="en-US"/>
-              <a:t> 추가</a:t>
-            </a:r>
-            <a:endParaRPr lang="ko-KR" altLang="en-US"/>
+            <a:endParaRPr lang="en-US" altLang="ko-KR"/>
           </a:p>
           <a:p>
             <a:pPr>
               <a:defRPr/>
             </a:pPr>
-            <a:endParaRPr lang="ko-KR" altLang="en-US"/>
+            <a:r>
+              <a:rPr lang="en-US" altLang="ko-KR"/>
+              <a:t>Exit - System.exit(0)</a:t>
+            </a:r>
+            <a:endParaRPr lang="en-US" altLang="ko-KR"/>
           </a:p>
           <a:p>
             <a:pPr>
               <a:defRPr/>
             </a:pPr>
-            <a:endParaRPr lang="ko-KR" altLang="en-US"/>
+            <a:endParaRPr lang="en-US" altLang="ko-KR"/>
           </a:p>
           <a:p>
             <a:pPr>
               <a:defRPr/>
             </a:pPr>
+            <a:r>
+              <a:rPr lang="en-US" altLang="ko-KR"/>
+              <a:t>Copy - tf1.getText() -&gt; Toolkit -&gt; </a:t>
+            </a:r>
+            <a:r>
+              <a:rPr lang="ko-KR" altLang="en-US"/>
+              <a:t>시스템클립보드 할당</a:t>
+            </a:r>
             <a:endParaRPr lang="ko-KR" altLang="en-US"/>
           </a:p>
         </p:txBody>
@@ -8858,9 +6983,16 @@
             <p:ph idx="1"/>
           </p:nvPr>
         </p:nvSpPr>
-        <p:spPr/>
-        <p:txBody>
-          <a:bodyPr/>
+        <p:spPr>
+          <a:xfrm>
+            <a:off x="622300" y="1646943"/>
+            <a:ext cx="10947400" cy="4525963"/>
+          </a:xfrm>
+        </p:spPr>
+        <p:txBody>
+          <a:bodyPr>
+            <a:normAutofit fontScale="92500"/>
+          </a:bodyPr>
           <a:lstStyle/>
           <a:p>
             <a:pPr>
@@ -8868,11 +7000,51 @@
             </a:pPr>
             <a:r>
               <a:rPr lang="en-US" altLang="ko-KR"/>
-              <a:t>Save - FileWriter -&gt; JChooser </a:t>
-            </a:r>
-            <a:r>
-              <a:rPr lang="ko-KR" altLang="en-US"/>
-              <a:t>저장 경로 할당 </a:t>
+              <a:t>Paste - Toolkit </a:t>
+            </a:r>
+            <a:r>
+              <a:rPr lang="ko-KR" altLang="en-US"/>
+              <a:t>시스템 클립보드 </a:t>
+            </a:r>
+            <a:r>
+              <a:rPr lang="en-US" altLang="ko-KR"/>
+              <a:t>get -&gt; Stirng</a:t>
+            </a:r>
+            <a:r>
+              <a:rPr lang="ko-KR" altLang="en-US"/>
+              <a:t> 전송 </a:t>
+            </a:r>
+            <a:r>
+              <a:rPr lang="en-US" altLang="ko-KR"/>
+              <a:t>Transferable-&gt; </a:t>
+            </a:r>
+            <a:r>
+              <a:rPr lang="ko-KR" altLang="en-US"/>
+              <a:t>	       </a:t>
+            </a:r>
+            <a:r>
+              <a:rPr lang="en-US" altLang="ko-KR"/>
+              <a:t>tf1 setText</a:t>
+            </a:r>
+            <a:endParaRPr lang="en-US" altLang="ko-KR"/>
+          </a:p>
+          <a:p>
+            <a:pPr>
+              <a:defRPr/>
+            </a:pPr>
+            <a:endParaRPr lang="en-US" altLang="ko-KR"/>
+          </a:p>
+          <a:p>
+            <a:pPr>
+              <a:defRPr/>
+            </a:pPr>
+            <a:r>
+              <a:rPr lang="en-US" altLang="ko-KR"/>
+              <a:t>Cut - Copy</a:t>
+            </a:r>
+            <a:r>
+              <a:rPr lang="ko-KR" altLang="en-US"/>
+              <a:t>와 동일 </a:t>
             </a:r>
             <a:r>
               <a:rPr lang="en-US" altLang="ko-KR"/>
@@ -8880,7 +7052,23 @@
             </a:r>
             <a:r>
               <a:rPr lang="ko-KR" altLang="en-US"/>
-              <a:t> 저장</a:t>
+              <a:t> </a:t>
+            </a:r>
+            <a:r>
+              <a:rPr lang="en-US" altLang="ko-KR"/>
+              <a:t>tf1</a:t>
+            </a:r>
+            <a:r>
+              <a:rPr lang="ko-KR" altLang="en-US"/>
+              <a:t> </a:t>
+            </a:r>
+            <a:r>
+              <a:rPr lang="en-US" altLang="ko-KR"/>
+              <a:t>setText</a:t>
+            </a:r>
+            <a:r>
+              <a:rPr lang="ko-KR" altLang="en-US"/>
+              <a:t>로 비우기</a:t>
             </a:r>
             <a:endParaRPr lang="ko-KR" altLang="en-US"/>
           </a:p>
@@ -8896,43 +7084,77 @@
             </a:pPr>
             <a:r>
               <a:rPr lang="en-US" altLang="ko-KR"/>
-              <a:t>Credit - JOptionPane -&gt; showMessageDialong</a:t>
+              <a:t>Compile - tf1</a:t>
+            </a:r>
+            <a:r>
+              <a:rPr lang="ko-KR" altLang="en-US"/>
+              <a:t> 내용 </a:t>
+            </a:r>
+            <a:r>
+              <a:rPr lang="en-US" altLang="ko-KR"/>
+              <a:t>getText() -&gt; “public class”, “{”</a:t>
+            </a:r>
+            <a:r>
+              <a:rPr lang="ko-KR" altLang="en-US"/>
+              <a:t> 사이 클래스명 </a:t>
+            </a:r>
+            <a:endParaRPr lang="ko-KR" altLang="en-US"/>
+          </a:p>
+          <a:p>
+            <a:pPr marL="0" indent="0">
+              <a:buNone/>
+              <a:defRPr/>
+            </a:pPr>
+            <a:r>
+              <a:rPr lang="ko-KR" altLang="en-US"/>
+              <a:t>		자동 추출 </a:t>
+            </a:r>
+            <a:r>
+              <a:rPr lang="en-US" altLang="ko-KR"/>
+              <a:t>-&gt;</a:t>
+            </a:r>
+            <a:r>
+              <a:rPr lang="ko-KR" altLang="en-US"/>
+              <a:t> </a:t>
+            </a:r>
+            <a:r>
+              <a:rPr lang="en-US" altLang="ko-KR"/>
+              <a:t>java</a:t>
+            </a:r>
+            <a:r>
+              <a:rPr lang="ko-KR" altLang="en-US"/>
+              <a:t>파일 형식으로 저장 </a:t>
+            </a:r>
+            <a:r>
+              <a:rPr lang="en-US" altLang="ko-KR"/>
+              <a:t>-&gt;</a:t>
+            </a:r>
+            <a:r>
+              <a:rPr lang="ko-KR" altLang="en-US"/>
+              <a:t> </a:t>
+            </a:r>
+            <a:r>
+              <a:rPr lang="en-US" altLang="ko-KR"/>
+              <a:t>Runtime JDK </a:t>
             </a:r>
             <a:endParaRPr lang="en-US" altLang="ko-KR"/>
           </a:p>
           <a:p>
-            <a:pPr>
-              <a:defRPr/>
-            </a:pPr>
-            <a:endParaRPr lang="en-US" altLang="ko-KR"/>
-          </a:p>
-          <a:p>
-            <a:pPr>
-              <a:defRPr/>
-            </a:pPr>
-            <a:r>
-              <a:rPr lang="en-US" altLang="ko-KR"/>
-              <a:t>Exit - System.exit(0)</a:t>
-            </a:r>
-            <a:endParaRPr lang="en-US" altLang="ko-KR"/>
-          </a:p>
-          <a:p>
-            <a:pPr>
-              <a:defRPr/>
-            </a:pPr>
-            <a:endParaRPr lang="en-US" altLang="ko-KR"/>
-          </a:p>
-          <a:p>
-            <a:pPr>
-              <a:defRPr/>
-            </a:pPr>
-            <a:r>
-              <a:rPr lang="en-US" altLang="ko-KR"/>
-              <a:t>Copy - tf1.getText() -&gt; Toolkit -&gt; </a:t>
-            </a:r>
-            <a:r>
-              <a:rPr lang="ko-KR" altLang="en-US"/>
-              <a:t>시스템클립보드 할당</a:t>
+            <a:pPr marL="0" indent="0">
+              <a:buNone/>
+              <a:defRPr/>
+            </a:pPr>
+            <a:r>
+              <a:rPr lang="ko-KR" altLang="en-US"/>
+              <a:t>		</a:t>
+            </a:r>
+            <a:r>
+              <a:rPr lang="en-US" altLang="ko-KR"/>
+              <a:t>javac </a:t>
+            </a:r>
+            <a:r>
+              <a:rPr lang="ko-KR" altLang="en-US"/>
+              <a:t>컴파일</a:t>
             </a:r>
             <a:endParaRPr lang="ko-KR" altLang="en-US"/>
           </a:p>
